--- a/kurs/курс/Курсова робота.pptx
+++ b/kurs/курс/Курсова робота.pptx
@@ -5,7 +5,7 @@
     <p:sldMasterId id="2147483694" r:id="rId1"/>
   </p:sldMasterIdLst>
   <p:notesMasterIdLst>
-    <p:notesMasterId r:id="rId18"/>
+    <p:notesMasterId r:id="rId19"/>
   </p:notesMasterIdLst>
   <p:sldIdLst>
     <p:sldId id="256" r:id="rId2"/>
@@ -13,17 +13,18 @@
     <p:sldId id="258" r:id="rId4"/>
     <p:sldId id="259" r:id="rId5"/>
     <p:sldId id="260" r:id="rId6"/>
-    <p:sldId id="261" r:id="rId7"/>
-    <p:sldId id="271" r:id="rId8"/>
-    <p:sldId id="262" r:id="rId9"/>
-    <p:sldId id="263" r:id="rId10"/>
-    <p:sldId id="264" r:id="rId11"/>
-    <p:sldId id="265" r:id="rId12"/>
-    <p:sldId id="266" r:id="rId13"/>
-    <p:sldId id="267" r:id="rId14"/>
-    <p:sldId id="270" r:id="rId15"/>
-    <p:sldId id="268" r:id="rId16"/>
-    <p:sldId id="269" r:id="rId17"/>
+    <p:sldId id="262" r:id="rId7"/>
+    <p:sldId id="263" r:id="rId8"/>
+    <p:sldId id="264" r:id="rId9"/>
+    <p:sldId id="265" r:id="rId10"/>
+    <p:sldId id="266" r:id="rId11"/>
+    <p:sldId id="271" r:id="rId12"/>
+    <p:sldId id="273" r:id="rId13"/>
+    <p:sldId id="274" r:id="rId14"/>
+    <p:sldId id="267" r:id="rId15"/>
+    <p:sldId id="270" r:id="rId16"/>
+    <p:sldId id="268" r:id="rId17"/>
+    <p:sldId id="269" r:id="rId18"/>
   </p:sldIdLst>
   <p:sldSz cx="12192000" cy="6858000"/>
   <p:notesSz cx="6858000" cy="9144000"/>
@@ -132,13 +133,14 @@
             <p14:sldId id="258"/>
             <p14:sldId id="259"/>
             <p14:sldId id="260"/>
-            <p14:sldId id="261"/>
-            <p14:sldId id="271"/>
             <p14:sldId id="262"/>
             <p14:sldId id="263"/>
             <p14:sldId id="264"/>
             <p14:sldId id="265"/>
             <p14:sldId id="266"/>
+            <p14:sldId id="271"/>
+            <p14:sldId id="273"/>
+            <p14:sldId id="274"/>
           </p14:sldIdLst>
         </p14:section>
         <p14:section name="Раздел без заголовка" id="{4BF68F85-5885-4E42-8E51-AEFDAA907356}">
@@ -240,7 +242,7 @@
           <a:p>
             <a:fld id="{4D6DF83D-3151-4C5A-9133-B02913CCC09D}" type="datetimeFigureOut">
               <a:rPr lang="ru-RU" smtClean="0"/>
-              <a:t>22.04.2016</a:t>
+              <a:t>03.06.2016</a:t>
             </a:fld>
             <a:endParaRPr lang="ru-RU"/>
           </a:p>
@@ -1398,7 +1400,7 @@
           <a:p>
             <a:fld id="{D00446B9-6F1A-46BF-BC47-E5595960739F}" type="datetime1">
               <a:rPr lang="ru-RU" smtClean="0"/>
-              <a:t>22.04.2016</a:t>
+              <a:t>03.06.2016</a:t>
             </a:fld>
             <a:endParaRPr lang="ru-RU"/>
           </a:p>
@@ -1649,7 +1651,7 @@
           <a:p>
             <a:fld id="{94F5FCE9-6C7F-4788-B88B-179AAAA14556}" type="datetime1">
               <a:rPr lang="ru-RU" smtClean="0"/>
-              <a:t>22.04.2016</a:t>
+              <a:t>03.06.2016</a:t>
             </a:fld>
             <a:endParaRPr lang="ru-RU"/>
           </a:p>
@@ -1963,7 +1965,7 @@
           <a:p>
             <a:fld id="{D78E2DFE-A623-4C1F-BC9B-5F35D39E0A30}" type="datetime1">
               <a:rPr lang="ru-RU" smtClean="0"/>
-              <a:t>22.04.2016</a:t>
+              <a:t>03.06.2016</a:t>
             </a:fld>
             <a:endParaRPr lang="ru-RU"/>
           </a:p>
@@ -2304,7 +2306,7 @@
           <a:p>
             <a:fld id="{8086695D-79E6-425B-A3C0-71521DCA2384}" type="datetime1">
               <a:rPr lang="ru-RU" smtClean="0"/>
-              <a:t>22.04.2016</a:t>
+              <a:t>03.06.2016</a:t>
             </a:fld>
             <a:endParaRPr lang="ru-RU"/>
           </a:p>
@@ -2618,7 +2620,7 @@
           <a:p>
             <a:fld id="{8FE04B31-D27B-4807-8E73-586A9AA88CBA}" type="datetime1">
               <a:rPr lang="ru-RU" smtClean="0"/>
-              <a:t>22.04.2016</a:t>
+              <a:t>03.06.2016</a:t>
             </a:fld>
             <a:endParaRPr lang="ru-RU"/>
           </a:p>
@@ -3011,7 +3013,7 @@
           <a:p>
             <a:fld id="{CA6A1BEC-9C73-474F-8F07-28064018DC61}" type="datetime1">
               <a:rPr lang="ru-RU" smtClean="0"/>
-              <a:t>22.04.2016</a:t>
+              <a:t>03.06.2016</a:t>
             </a:fld>
             <a:endParaRPr lang="ru-RU"/>
           </a:p>
@@ -3181,7 +3183,7 @@
           <a:p>
             <a:fld id="{332338F5-4913-4679-A27E-7E5F84048945}" type="datetime1">
               <a:rPr lang="ru-RU" smtClean="0"/>
-              <a:t>22.04.2016</a:t>
+              <a:t>03.06.2016</a:t>
             </a:fld>
             <a:endParaRPr lang="ru-RU"/>
           </a:p>
@@ -3361,7 +3363,7 @@
           <a:p>
             <a:fld id="{1D1B9CAB-E409-4851-85A8-0A73544A4546}" type="datetime1">
               <a:rPr lang="ru-RU" smtClean="0"/>
-              <a:t>22.04.2016</a:t>
+              <a:t>03.06.2016</a:t>
             </a:fld>
             <a:endParaRPr lang="ru-RU"/>
           </a:p>
@@ -3537,7 +3539,7 @@
           <a:p>
             <a:fld id="{634D95C9-B439-4814-9337-B4DEE25D0C37}" type="datetime1">
               <a:rPr lang="ru-RU" smtClean="0"/>
-              <a:t>22.04.2016</a:t>
+              <a:t>03.06.2016</a:t>
             </a:fld>
             <a:endParaRPr lang="ru-RU"/>
           </a:p>
@@ -3784,7 +3786,7 @@
           <a:p>
             <a:fld id="{BF5D3487-9330-499F-984A-ABD38D95DE70}" type="datetime1">
               <a:rPr lang="ru-RU" smtClean="0"/>
-              <a:t>22.04.2016</a:t>
+              <a:t>03.06.2016</a:t>
             </a:fld>
             <a:endParaRPr lang="ru-RU"/>
           </a:p>
@@ -4016,7 +4018,7 @@
           <a:p>
             <a:fld id="{27B7BF98-28CB-42DA-9A68-616E3E1B3753}" type="datetime1">
               <a:rPr lang="ru-RU" smtClean="0"/>
-              <a:t>22.04.2016</a:t>
+              <a:t>03.06.2016</a:t>
             </a:fld>
             <a:endParaRPr lang="ru-RU"/>
           </a:p>
@@ -4390,7 +4392,7 @@
           <a:p>
             <a:fld id="{186B1A62-BC84-4BA1-8120-DC4A814D996C}" type="datetime1">
               <a:rPr lang="ru-RU" smtClean="0"/>
-              <a:t>22.04.2016</a:t>
+              <a:t>03.06.2016</a:t>
             </a:fld>
             <a:endParaRPr lang="ru-RU"/>
           </a:p>
@@ -4513,7 +4515,7 @@
           <a:p>
             <a:fld id="{2EAEEA46-43E7-4181-9D8F-E4A666EEF08E}" type="datetime1">
               <a:rPr lang="ru-RU" smtClean="0"/>
-              <a:t>22.04.2016</a:t>
+              <a:t>03.06.2016</a:t>
             </a:fld>
             <a:endParaRPr lang="ru-RU"/>
           </a:p>
@@ -4608,7 +4610,7 @@
           <a:p>
             <a:fld id="{4DAD4058-F36B-436F-8A46-33BA2F820FA7}" type="datetime1">
               <a:rPr lang="ru-RU" smtClean="0"/>
-              <a:t>22.04.2016</a:t>
+              <a:t>03.06.2016</a:t>
             </a:fld>
             <a:endParaRPr lang="ru-RU"/>
           </a:p>
@@ -4863,7 +4865,7 @@
           <a:p>
             <a:fld id="{C419DE91-EF2E-456C-B096-72E507466C34}" type="datetime1">
               <a:rPr lang="ru-RU" smtClean="0"/>
-              <a:t>22.04.2016</a:t>
+              <a:t>03.06.2016</a:t>
             </a:fld>
             <a:endParaRPr lang="ru-RU"/>
           </a:p>
@@ -5126,7 +5128,7 @@
           <a:p>
             <a:fld id="{494ABE9E-29A8-426E-A74F-8FC5F4474953}" type="datetime1">
               <a:rPr lang="ru-RU" smtClean="0"/>
-              <a:t>22.04.2016</a:t>
+              <a:t>03.06.2016</a:t>
             </a:fld>
             <a:endParaRPr lang="ru-RU"/>
           </a:p>
@@ -5869,7 +5871,7 @@
           <a:p>
             <a:fld id="{CF522AD7-BD1E-4E5F-98F8-33613D451DA5}" type="datetime1">
               <a:rPr lang="ru-RU" smtClean="0"/>
-              <a:t>22.04.2016</a:t>
+              <a:t>03.06.2016</a:t>
             </a:fld>
             <a:endParaRPr lang="ru-RU"/>
           </a:p>
@@ -6654,8 +6656,8 @@
         </p:nvSpPr>
         <p:spPr>
           <a:xfrm>
-            <a:off x="677334" y="605307"/>
-            <a:ext cx="8596668" cy="5436056"/>
+            <a:off x="677334" y="437883"/>
+            <a:ext cx="8596668" cy="5603480"/>
           </a:xfrm>
         </p:spPr>
         <p:txBody>
@@ -6667,7 +6669,7 @@
             </a:pPr>
             <a:r>
               <a:rPr lang="uk-UA" dirty="0"/>
-              <a:t>№3 :</a:t>
+              <a:t>№5:</a:t>
             </a:r>
             <a:endParaRPr lang="ru-RU" dirty="0"/>
           </a:p>
@@ -6677,15 +6679,11 @@
             </a:pPr>
             <a:r>
               <a:rPr lang="uk-UA" dirty="0"/>
-              <a:t>Назва: </a:t>
+              <a:t>Назва</a:t>
             </a:r>
             <a:r>
               <a:rPr lang="uk-UA" dirty="0" smtClean="0"/>
-              <a:t>Батут,  </a:t>
-            </a:r>
-            <a:r>
-              <a:rPr lang="uk-UA" dirty="0"/>
-              <a:t>що рухається </a:t>
+              <a:t>: Вивід балів в  інформаційному рядку</a:t>
             </a:r>
             <a:endParaRPr lang="ru-RU" dirty="0"/>
           </a:p>
@@ -6699,11 +6697,11 @@
             </a:r>
             <a:r>
               <a:rPr lang="uk-UA" dirty="0" smtClean="0"/>
-              <a:t>Батут,  </a:t>
+              <a:t>Рядок,  </a:t>
             </a:r>
             <a:r>
               <a:rPr lang="uk-UA" dirty="0"/>
-              <a:t>що рухається вздовж екрану </a:t>
+              <a:t>в якому показуються бали гравця  </a:t>
             </a:r>
             <a:endParaRPr lang="ru-RU" dirty="0"/>
           </a:p>
@@ -6713,7 +6711,11 @@
             </a:pPr>
             <a:r>
               <a:rPr lang="uk-UA" dirty="0"/>
-              <a:t>Передумова: Гра почалась </a:t>
+              <a:t>Передумова: Гра </a:t>
+            </a:r>
+            <a:r>
+              <a:rPr lang="uk-UA" dirty="0" smtClean="0"/>
+              <a:t>була запущена  </a:t>
             </a:r>
             <a:endParaRPr lang="ru-RU" dirty="0"/>
           </a:p>
@@ -6733,15 +6735,15 @@
             </a:pPr>
             <a:r>
               <a:rPr lang="uk-UA" dirty="0"/>
-              <a:t>Основний сценарій : Гравець тисне на </a:t>
+              <a:t>Основний сценарій : Користувач </a:t>
             </a:r>
             <a:r>
               <a:rPr lang="uk-UA" dirty="0" smtClean="0"/>
-              <a:t>клавіши(стрілка ліво, стрілка право), </a:t>
+              <a:t>отримує  </a:t>
             </a:r>
             <a:r>
               <a:rPr lang="uk-UA" dirty="0"/>
-              <a:t>батут рухається </a:t>
+              <a:t>бали</a:t>
             </a:r>
             <a:endParaRPr lang="ru-RU" dirty="0"/>
           </a:p>
@@ -6751,34 +6753,11 @@
             </a:pPr>
             <a:r>
               <a:rPr lang="uk-UA" dirty="0"/>
-              <a:t>Результат: Користувач отримує можливість ловити об’єкти .</a:t>
+              <a:t>Результат: Бали відображаються на інформаційному рядку</a:t>
             </a:r>
             <a:endParaRPr lang="ru-RU" dirty="0"/>
           </a:p>
           <a:p>
-            <a:pPr marL="0" indent="0">
-              <a:buNone/>
-            </a:pPr>
-            <a:r>
-              <a:rPr lang="uk-UA" dirty="0"/>
-              <a:t>Додатковий  сценарій : Гравець не тисне на клавіши</a:t>
-            </a:r>
-            <a:endParaRPr lang="ru-RU" dirty="0"/>
-          </a:p>
-          <a:p>
-            <a:pPr marL="0" indent="0">
-              <a:buNone/>
-            </a:pPr>
-            <a:r>
-              <a:rPr lang="uk-UA" dirty="0"/>
-              <a:t>Додатковий результат: Батут не рухається</a:t>
-            </a:r>
-            <a:endParaRPr lang="ru-RU" dirty="0"/>
-          </a:p>
-          <a:p>
-            <a:pPr marL="0" indent="0">
-              <a:buNone/>
-            </a:pPr>
             <a:endParaRPr lang="ru-RU" dirty="0"/>
           </a:p>
         </p:txBody>
@@ -6817,7 +6796,7 @@
     </p:spTree>
     <p:extLst>
       <p:ext uri="{BB962C8B-B14F-4D97-AF65-F5344CB8AC3E}">
-        <p14:creationId xmlns:p14="http://schemas.microsoft.com/office/powerpoint/2010/main" val="2345079716"/>
+        <p14:creationId xmlns:p14="http://schemas.microsoft.com/office/powerpoint/2010/main" val="3735228410"/>
       </p:ext>
     </p:extLst>
   </p:cSld>
@@ -6853,6 +6832,29 @@
       </p:grpSpPr>
       <p:sp>
         <p:nvSpPr>
+          <p:cNvPr id="2" name="Заголовок 1"/>
+          <p:cNvSpPr>
+            <a:spLocks noGrp="1"/>
+          </p:cNvSpPr>
+          <p:nvPr>
+            <p:ph type="title"/>
+          </p:nvPr>
+        </p:nvSpPr>
+        <p:spPr/>
+        <p:txBody>
+          <a:bodyPr/>
+          <a:lstStyle/>
+          <a:p>
+            <a:r>
+              <a:rPr lang="uk-UA" dirty="0" smtClean="0"/>
+              <a:t>Умови гри</a:t>
+            </a:r>
+            <a:endParaRPr lang="ru-RU" dirty="0"/>
+          </a:p>
+        </p:txBody>
+      </p:sp>
+      <p:sp>
+        <p:nvSpPr>
           <p:cNvPr id="3" name="Объект 2"/>
           <p:cNvSpPr>
             <a:spLocks noGrp="1"/>
@@ -6863,124 +6865,51 @@
         </p:nvSpPr>
         <p:spPr>
           <a:xfrm>
-            <a:off x="677334" y="618187"/>
-            <a:ext cx="8596668" cy="5423176"/>
+            <a:off x="677334" y="1671192"/>
+            <a:ext cx="8596668" cy="3880773"/>
           </a:xfrm>
         </p:spPr>
         <p:txBody>
           <a:bodyPr/>
           <a:lstStyle/>
           <a:p>
-            <a:pPr marL="0" indent="0">
-              <a:buNone/>
-            </a:pPr>
+            <a:r>
+              <a:rPr lang="uk-UA" dirty="0" smtClean="0"/>
+              <a:t>Користувач повинен спіймати усіх людей, інакше він програє </a:t>
+            </a:r>
+          </a:p>
+          <a:p>
+            <a:r>
+              <a:rPr lang="uk-UA" dirty="0" smtClean="0"/>
+              <a:t>За врятування людей користувач отримує бали</a:t>
+            </a:r>
+          </a:p>
+          <a:p>
+            <a:r>
+              <a:rPr lang="uk-UA" dirty="0" smtClean="0"/>
+              <a:t>Бали можуть бути втрачені, якщо користувач зловить камінь </a:t>
+            </a:r>
+          </a:p>
+          <a:p>
+            <a:r>
+              <a:rPr lang="uk-UA" dirty="0" smtClean="0"/>
+              <a:t>Якщо кількість балів менше за 0, то </a:t>
+            </a:r>
             <a:r>
               <a:rPr lang="uk-UA" dirty="0"/>
-              <a:t>№4 :</a:t>
+              <a:t>він програє </a:t>
+            </a:r>
+            <a:r>
+              <a:rPr lang="uk-UA" dirty="0" smtClean="0"/>
+              <a:t> </a:t>
             </a:r>
             <a:endParaRPr lang="ru-RU" dirty="0"/>
           </a:p>
-          <a:p>
-            <a:pPr marL="0" indent="0">
-              <a:buNone/>
-            </a:pPr>
-            <a:r>
-              <a:rPr lang="uk-UA" dirty="0"/>
-              <a:t>Назва: Меню </a:t>
-            </a:r>
-            <a:r>
-              <a:rPr lang="uk-UA" dirty="0" smtClean="0"/>
-              <a:t>запуску </a:t>
-            </a:r>
-            <a:endParaRPr lang="ru-RU" dirty="0"/>
-          </a:p>
-          <a:p>
-            <a:pPr marL="0" indent="0">
-              <a:buNone/>
-            </a:pPr>
-            <a:r>
-              <a:rPr lang="uk-UA" dirty="0"/>
-              <a:t>Опис: </a:t>
-            </a:r>
-            <a:r>
-              <a:rPr lang="uk-UA" dirty="0" smtClean="0"/>
-              <a:t>Меню, в </a:t>
-            </a:r>
-            <a:r>
-              <a:rPr lang="uk-UA" dirty="0"/>
-              <a:t>якому користувач обирає складність та починає гру  </a:t>
-            </a:r>
-            <a:endParaRPr lang="ru-RU" dirty="0"/>
-          </a:p>
-          <a:p>
-            <a:pPr marL="0" indent="0">
-              <a:buNone/>
-            </a:pPr>
-            <a:r>
-              <a:rPr lang="uk-UA" dirty="0" smtClean="0"/>
-              <a:t>Передумова: Гра була запущена </a:t>
-            </a:r>
-            <a:endParaRPr lang="ru-RU" dirty="0"/>
-          </a:p>
-          <a:p>
-            <a:pPr marL="0" indent="0">
-              <a:buNone/>
-            </a:pPr>
-            <a:r>
-              <a:rPr lang="uk-UA" dirty="0" smtClean="0"/>
-              <a:t>Основний </a:t>
-            </a:r>
-            <a:r>
-              <a:rPr lang="uk-UA" dirty="0"/>
-              <a:t>сценарій : Гравець обирає складність та запускає гру </a:t>
-            </a:r>
-            <a:endParaRPr lang="ru-RU" dirty="0"/>
-          </a:p>
-          <a:p>
-            <a:pPr marL="0" indent="0">
-              <a:buNone/>
-            </a:pPr>
-            <a:r>
-              <a:rPr lang="uk-UA" dirty="0"/>
-              <a:t>Результат: Запускається гра з обраним рівнем складності </a:t>
-            </a:r>
-            <a:endParaRPr lang="ru-RU" dirty="0"/>
-          </a:p>
-          <a:p>
-            <a:pPr marL="0" indent="0">
-              <a:buNone/>
-            </a:pPr>
-            <a:r>
-              <a:rPr lang="uk-UA" dirty="0"/>
-              <a:t>Додатковий  сценарій : Гравець вимикає меню </a:t>
-            </a:r>
-            <a:endParaRPr lang="ru-RU" dirty="0"/>
-          </a:p>
-          <a:p>
-            <a:pPr marL="0" indent="0">
-              <a:buNone/>
-            </a:pPr>
-            <a:r>
-              <a:rPr lang="uk-UA" dirty="0"/>
-              <a:t>Додатковий результат: </a:t>
-            </a:r>
-            <a:r>
-              <a:rPr lang="uk-UA" dirty="0" smtClean="0"/>
-              <a:t>Гра закривається </a:t>
-            </a:r>
-            <a:endParaRPr lang="ru-RU" dirty="0"/>
-          </a:p>
-          <a:p>
-            <a:pPr marL="0" indent="0">
-              <a:buNone/>
-            </a:pPr>
-            <a:endParaRPr lang="ru-RU" dirty="0"/>
-          </a:p>
-        </p:txBody>
-      </p:sp>
-      <p:sp>
-        <p:nvSpPr>
-          <p:cNvPr id="2" name="Номер слайда 1"/>
+        </p:txBody>
+      </p:sp>
+      <p:sp>
+        <p:nvSpPr>
+          <p:cNvPr id="4" name="Номер слайда 3"/>
           <p:cNvSpPr>
             <a:spLocks noGrp="1"/>
           </p:cNvSpPr>
@@ -7012,7 +6941,7 @@
     </p:spTree>
     <p:extLst>
       <p:ext uri="{BB962C8B-B14F-4D97-AF65-F5344CB8AC3E}">
-        <p14:creationId xmlns:p14="http://schemas.microsoft.com/office/powerpoint/2010/main" val="2162147648"/>
+        <p14:creationId xmlns:p14="http://schemas.microsoft.com/office/powerpoint/2010/main" val="3766738623"/>
       </p:ext>
     </p:extLst>
   </p:cSld>
@@ -7048,146 +6977,46 @@
       </p:grpSpPr>
       <p:sp>
         <p:nvSpPr>
-          <p:cNvPr id="3" name="Объект 2"/>
-          <p:cNvSpPr>
-            <a:spLocks noGrp="1"/>
-          </p:cNvSpPr>
-          <p:nvPr>
-            <p:ph idx="1"/>
+          <p:cNvPr id="2" name="Заголовок 1"/>
+          <p:cNvSpPr>
+            <a:spLocks noGrp="1"/>
+          </p:cNvSpPr>
+          <p:nvPr>
+            <p:ph type="title"/>
           </p:nvPr>
         </p:nvSpPr>
         <p:spPr>
           <a:xfrm>
-            <a:off x="677334" y="437883"/>
-            <a:ext cx="8596668" cy="5603480"/>
+            <a:off x="3068988" y="133081"/>
+            <a:ext cx="3813360" cy="884349"/>
           </a:xfrm>
         </p:spPr>
         <p:txBody>
           <a:bodyPr/>
           <a:lstStyle/>
           <a:p>
-            <a:pPr marL="0" indent="0">
-              <a:buNone/>
-            </a:pPr>
-            <a:r>
-              <a:rPr lang="uk-UA" dirty="0"/>
-              <a:t>№5:</a:t>
-            </a:r>
-            <a:endParaRPr lang="ru-RU" dirty="0"/>
-          </a:p>
-          <a:p>
-            <a:pPr marL="0" indent="0">
-              <a:buNone/>
-            </a:pPr>
-            <a:r>
-              <a:rPr lang="uk-UA" dirty="0"/>
-              <a:t>Назва</a:t>
-            </a:r>
-            <a:r>
-              <a:rPr lang="uk-UA" dirty="0" smtClean="0"/>
-              <a:t>: Вивід балів в  інформаційному рядку</a:t>
-            </a:r>
-            <a:endParaRPr lang="ru-RU" dirty="0"/>
-          </a:p>
-          <a:p>
-            <a:pPr marL="0" indent="0">
-              <a:buNone/>
-            </a:pPr>
-            <a:r>
-              <a:rPr lang="uk-UA" dirty="0"/>
-              <a:t>Опис: </a:t>
-            </a:r>
-            <a:r>
-              <a:rPr lang="uk-UA" dirty="0" smtClean="0"/>
-              <a:t>Рядок,  </a:t>
-            </a:r>
-            <a:r>
-              <a:rPr lang="uk-UA" dirty="0"/>
-              <a:t>в якому показуються бали гравця  </a:t>
-            </a:r>
-            <a:endParaRPr lang="ru-RU" dirty="0"/>
-          </a:p>
-          <a:p>
-            <a:pPr marL="0" indent="0">
-              <a:buNone/>
-            </a:pPr>
-            <a:r>
-              <a:rPr lang="uk-UA" dirty="0"/>
-              <a:t>Передумова: Гра </a:t>
-            </a:r>
-            <a:r>
-              <a:rPr lang="uk-UA" dirty="0" smtClean="0"/>
-              <a:t>була запущена  </a:t>
-            </a:r>
-            <a:endParaRPr lang="ru-RU" dirty="0"/>
-          </a:p>
-          <a:p>
-            <a:pPr marL="0" indent="0">
-              <a:buNone/>
-            </a:pPr>
-            <a:r>
-              <a:rPr lang="uk-UA" dirty="0"/>
-              <a:t>Тригер : Гра почалась</a:t>
-            </a:r>
-            <a:endParaRPr lang="ru-RU" dirty="0"/>
-          </a:p>
-          <a:p>
-            <a:pPr marL="0" indent="0">
-              <a:buNone/>
-            </a:pPr>
-            <a:r>
-              <a:rPr lang="uk-UA" dirty="0"/>
-              <a:t>Основний сценарій : Користувач </a:t>
-            </a:r>
-            <a:r>
-              <a:rPr lang="uk-UA" dirty="0" smtClean="0"/>
-              <a:t>отримує  </a:t>
-            </a:r>
-            <a:r>
-              <a:rPr lang="uk-UA" dirty="0"/>
-              <a:t>бали</a:t>
-            </a:r>
-            <a:endParaRPr lang="ru-RU" dirty="0"/>
-          </a:p>
-          <a:p>
-            <a:pPr marL="0" indent="0">
-              <a:buNone/>
-            </a:pPr>
-            <a:r>
-              <a:rPr lang="uk-UA" dirty="0"/>
-              <a:t>Результат: Бали відображаються на інформаційному рядку</a:t>
-            </a:r>
-            <a:endParaRPr lang="ru-RU" dirty="0"/>
-          </a:p>
-          <a:p>
-            <a:endParaRPr lang="ru-RU" dirty="0"/>
-          </a:p>
-        </p:txBody>
-      </p:sp>
-      <p:sp>
-        <p:nvSpPr>
-          <p:cNvPr id="2" name="Номер слайда 1"/>
-          <p:cNvSpPr>
-            <a:spLocks noGrp="1"/>
-          </p:cNvSpPr>
-          <p:nvPr>
-            <p:ph type="sldNum" sz="quarter" idx="12"/>
-          </p:nvPr>
-        </p:nvSpPr>
-        <p:spPr/>
-        <p:txBody>
-          <a:bodyPr/>
-          <a:lstStyle/>
-          <a:p>
-            <a:fld id="{97CC2521-3C23-4974-B647-735AEAF387E4}" type="slidenum">
-              <a:rPr lang="ru-RU" sz="2400" smtClean="0">
+            <a:pPr algn="ctr"/>
+            <a:r>
+              <a:rPr lang="ru-RU" dirty="0" smtClean="0"/>
+              <a:t> </a:t>
+            </a:r>
+            <a:r>
+              <a:rPr lang="ru-RU" dirty="0" smtClean="0">
                 <a:solidFill>
                   <a:schemeClr val="tx1"/>
                 </a:solidFill>
               </a:rPr>
-              <a:t>12</a:t>
-            </a:fld>
-            <a:endParaRPr lang="ru-RU" sz="2400" dirty="0">
+              <a:t>Дан</a:t>
+            </a:r>
+            <a:r>
+              <a:rPr lang="uk-UA" dirty="0" smtClean="0">
+                <a:solidFill>
+                  <a:schemeClr val="tx1"/>
+                </a:solidFill>
+              </a:rPr>
+              <a:t>і</a:t>
+            </a:r>
+            <a:endParaRPr lang="ru-RU" dirty="0">
               <a:solidFill>
                 <a:schemeClr val="tx1"/>
               </a:solidFill>
@@ -7195,27 +7024,935 @@
           </a:p>
         </p:txBody>
       </p:sp>
+      <p:graphicFrame>
+        <p:nvGraphicFramePr>
+          <p:cNvPr id="5" name="Объект 4"/>
+          <p:cNvGraphicFramePr>
+            <a:graphicFrameLocks noGrp="1"/>
+          </p:cNvGraphicFramePr>
+          <p:nvPr>
+            <p:ph idx="1"/>
+            <p:extLst>
+              <p:ext uri="{D42A27DB-BD31-4B8C-83A1-F6EECF244321}">
+                <p14:modId xmlns:p14="http://schemas.microsoft.com/office/powerpoint/2010/main" val="1187029729"/>
+              </p:ext>
+            </p:extLst>
+          </p:nvPr>
+        </p:nvGraphicFramePr>
+        <p:xfrm>
+          <a:off x="1532587" y="1841679"/>
+          <a:ext cx="7289442" cy="3902297"/>
+        </p:xfrm>
+        <a:graphic>
+          <a:graphicData uri="http://schemas.openxmlformats.org/drawingml/2006/table">
+            <a:tbl>
+              <a:tblPr firstRow="1" firstCol="1" bandRow="1">
+                <a:tableStyleId>{5C22544A-7EE6-4342-B048-85BDC9FD1C3A}</a:tableStyleId>
+              </a:tblPr>
+              <a:tblGrid>
+                <a:gridCol w="966326"/>
+                <a:gridCol w="2359440"/>
+                <a:gridCol w="2195989"/>
+                <a:gridCol w="1767687"/>
+              </a:tblGrid>
+              <a:tr h="1142773">
+                <a:tc>
+                  <a:txBody>
+                    <a:bodyPr/>
+                    <a:lstStyle/>
+                    <a:p>
+                      <a:pPr algn="just">
+                        <a:lnSpc>
+                          <a:spcPct val="150000"/>
+                        </a:lnSpc>
+                        <a:spcAft>
+                          <a:spcPts val="1000"/>
+                        </a:spcAft>
+                      </a:pPr>
+                      <a:r>
+                        <a:rPr lang="uk-UA" sz="1400">
+                          <a:effectLst/>
+                        </a:rPr>
+                        <a:t>Клас</a:t>
+                      </a:r>
+                      <a:endParaRPr lang="ru-RU" sz="1100">
+                        <a:effectLst/>
+                        <a:latin typeface="Calibri" panose="020F0502020204030204" pitchFamily="34" charset="0"/>
+                        <a:ea typeface="Calibri" panose="020F0502020204030204" pitchFamily="34" charset="0"/>
+                        <a:cs typeface="Times New Roman" panose="02020603050405020304" pitchFamily="18" charset="0"/>
+                      </a:endParaRPr>
+                    </a:p>
+                  </a:txBody>
+                  <a:tcPr marL="68580" marR="68580" marT="0" marB="0"/>
+                </a:tc>
+                <a:tc>
+                  <a:txBody>
+                    <a:bodyPr/>
+                    <a:lstStyle/>
+                    <a:p>
+                      <a:pPr algn="just">
+                        <a:lnSpc>
+                          <a:spcPct val="150000"/>
+                        </a:lnSpc>
+                        <a:spcAft>
+                          <a:spcPts val="1000"/>
+                        </a:spcAft>
+                      </a:pPr>
+                      <a:r>
+                        <a:rPr lang="uk-UA" sz="1400">
+                          <a:effectLst/>
+                        </a:rPr>
+                        <a:t>Метод/Функція </a:t>
+                      </a:r>
+                      <a:endParaRPr lang="ru-RU" sz="1100">
+                        <a:effectLst/>
+                        <a:latin typeface="Calibri" panose="020F0502020204030204" pitchFamily="34" charset="0"/>
+                        <a:ea typeface="Calibri" panose="020F0502020204030204" pitchFamily="34" charset="0"/>
+                        <a:cs typeface="Times New Roman" panose="02020603050405020304" pitchFamily="18" charset="0"/>
+                      </a:endParaRPr>
+                    </a:p>
+                  </a:txBody>
+                  <a:tcPr marL="68580" marR="68580" marT="0" marB="0"/>
+                </a:tc>
+                <a:tc>
+                  <a:txBody>
+                    <a:bodyPr/>
+                    <a:lstStyle/>
+                    <a:p>
+                      <a:pPr algn="just">
+                        <a:lnSpc>
+                          <a:spcPct val="150000"/>
+                        </a:lnSpc>
+                        <a:spcAft>
+                          <a:spcPts val="1000"/>
+                        </a:spcAft>
+                      </a:pPr>
+                      <a:r>
+                        <a:rPr lang="uk-UA" sz="1400">
+                          <a:effectLst/>
+                        </a:rPr>
+                        <a:t>Графічне зображення </a:t>
+                      </a:r>
+                      <a:endParaRPr lang="ru-RU" sz="1100">
+                        <a:effectLst/>
+                        <a:latin typeface="Calibri" panose="020F0502020204030204" pitchFamily="34" charset="0"/>
+                        <a:ea typeface="Calibri" panose="020F0502020204030204" pitchFamily="34" charset="0"/>
+                        <a:cs typeface="Times New Roman" panose="02020603050405020304" pitchFamily="18" charset="0"/>
+                      </a:endParaRPr>
+                    </a:p>
+                  </a:txBody>
+                  <a:tcPr marL="68580" marR="68580" marT="0" marB="0"/>
+                </a:tc>
+                <a:tc>
+                  <a:txBody>
+                    <a:bodyPr/>
+                    <a:lstStyle/>
+                    <a:p>
+                      <a:pPr algn="just">
+                        <a:lnSpc>
+                          <a:spcPct val="150000"/>
+                        </a:lnSpc>
+                        <a:spcAft>
+                          <a:spcPts val="1000"/>
+                        </a:spcAft>
+                      </a:pPr>
+                      <a:r>
+                        <a:rPr lang="uk-UA" sz="1400">
+                          <a:effectLst/>
+                        </a:rPr>
+                        <a:t>Унаслідуються </a:t>
+                      </a:r>
+                      <a:endParaRPr lang="ru-RU" sz="1100">
+                        <a:effectLst/>
+                        <a:latin typeface="Calibri" panose="020F0502020204030204" pitchFamily="34" charset="0"/>
+                        <a:ea typeface="Calibri" panose="020F0502020204030204" pitchFamily="34" charset="0"/>
+                        <a:cs typeface="Times New Roman" panose="02020603050405020304" pitchFamily="18" charset="0"/>
+                      </a:endParaRPr>
+                    </a:p>
+                  </a:txBody>
+                  <a:tcPr marL="68580" marR="68580" marT="0" marB="0"/>
+                </a:tc>
+              </a:tr>
+              <a:tr h="1142773">
+                <a:tc>
+                  <a:txBody>
+                    <a:bodyPr/>
+                    <a:lstStyle/>
+                    <a:p>
+                      <a:pPr algn="just">
+                        <a:lnSpc>
+                          <a:spcPct val="150000"/>
+                        </a:lnSpc>
+                        <a:spcAft>
+                          <a:spcPts val="1000"/>
+                        </a:spcAft>
+                      </a:pPr>
+                      <a:r>
+                        <a:rPr lang="en-US" sz="1400">
+                          <a:effectLst/>
+                        </a:rPr>
+                        <a:t>Example</a:t>
+                      </a:r>
+                      <a:endParaRPr lang="ru-RU" sz="1100">
+                        <a:effectLst/>
+                        <a:latin typeface="Calibri" panose="020F0502020204030204" pitchFamily="34" charset="0"/>
+                        <a:ea typeface="Calibri" panose="020F0502020204030204" pitchFamily="34" charset="0"/>
+                        <a:cs typeface="Times New Roman" panose="02020603050405020304" pitchFamily="18" charset="0"/>
+                      </a:endParaRPr>
+                    </a:p>
+                  </a:txBody>
+                  <a:tcPr marL="68580" marR="68580" marT="0" marB="0"/>
+                </a:tc>
+                <a:tc>
+                  <a:txBody>
+                    <a:bodyPr/>
+                    <a:lstStyle/>
+                    <a:p>
+                      <a:pPr>
+                        <a:lnSpc>
+                          <a:spcPct val="150000"/>
+                        </a:lnSpc>
+                        <a:spcAft>
+                          <a:spcPts val="1000"/>
+                        </a:spcAft>
+                      </a:pPr>
+                      <a:r>
+                        <a:rPr lang="en-US" sz="1400">
+                          <a:effectLst/>
+                        </a:rPr>
+                        <a:t>“Start”</a:t>
+                      </a:r>
+                      <a:r>
+                        <a:rPr lang="uk-UA" sz="1400">
+                          <a:effectLst/>
+                        </a:rPr>
+                        <a:t>;</a:t>
+                      </a:r>
+                      <a:r>
+                        <a:rPr lang="en-US" sz="1400">
+                          <a:effectLst/>
+                        </a:rPr>
+                        <a:t>“Record List”</a:t>
+                      </a:r>
+                      <a:r>
+                        <a:rPr lang="uk-UA" sz="1400">
+                          <a:effectLst/>
+                        </a:rPr>
+                        <a:t>; </a:t>
+                      </a:r>
+                      <a:r>
+                        <a:rPr lang="en-US" sz="1400">
+                          <a:effectLst/>
+                        </a:rPr>
+                        <a:t>“Quit”</a:t>
+                      </a:r>
+                      <a:endParaRPr lang="ru-RU" sz="1100">
+                        <a:effectLst/>
+                        <a:latin typeface="Calibri" panose="020F0502020204030204" pitchFamily="34" charset="0"/>
+                        <a:ea typeface="Calibri" panose="020F0502020204030204" pitchFamily="34" charset="0"/>
+                        <a:cs typeface="Times New Roman" panose="02020603050405020304" pitchFamily="18" charset="0"/>
+                      </a:endParaRPr>
+                    </a:p>
+                  </a:txBody>
+                  <a:tcPr marL="68580" marR="68580" marT="0" marB="0"/>
+                </a:tc>
+                <a:tc>
+                  <a:txBody>
+                    <a:bodyPr/>
+                    <a:lstStyle/>
+                    <a:p>
+                      <a:pPr algn="just">
+                        <a:lnSpc>
+                          <a:spcPct val="150000"/>
+                        </a:lnSpc>
+                        <a:spcAft>
+                          <a:spcPts val="1000"/>
+                        </a:spcAft>
+                      </a:pPr>
+                      <a:r>
+                        <a:rPr lang="uk-UA" sz="1400">
+                          <a:effectLst/>
+                        </a:rPr>
+                        <a:t>Вікно меню </a:t>
+                      </a:r>
+                      <a:endParaRPr lang="ru-RU" sz="1100">
+                        <a:effectLst/>
+                        <a:latin typeface="Calibri" panose="020F0502020204030204" pitchFamily="34" charset="0"/>
+                        <a:ea typeface="Calibri" panose="020F0502020204030204" pitchFamily="34" charset="0"/>
+                        <a:cs typeface="Times New Roman" panose="02020603050405020304" pitchFamily="18" charset="0"/>
+                      </a:endParaRPr>
+                    </a:p>
+                  </a:txBody>
+                  <a:tcPr marL="68580" marR="68580" marT="0" marB="0"/>
+                </a:tc>
+                <a:tc>
+                  <a:txBody>
+                    <a:bodyPr/>
+                    <a:lstStyle/>
+                    <a:p>
+                      <a:pPr algn="just">
+                        <a:lnSpc>
+                          <a:spcPct val="150000"/>
+                        </a:lnSpc>
+                        <a:spcAft>
+                          <a:spcPts val="1000"/>
+                        </a:spcAft>
+                      </a:pPr>
+                      <a:r>
+                        <a:rPr lang="en-US" sz="1400">
+                          <a:effectLst/>
+                        </a:rPr>
+                        <a:t>QWidget</a:t>
+                      </a:r>
+                      <a:endParaRPr lang="ru-RU" sz="1100">
+                        <a:effectLst/>
+                        <a:latin typeface="Calibri" panose="020F0502020204030204" pitchFamily="34" charset="0"/>
+                        <a:ea typeface="Calibri" panose="020F0502020204030204" pitchFamily="34" charset="0"/>
+                        <a:cs typeface="Times New Roman" panose="02020603050405020304" pitchFamily="18" charset="0"/>
+                      </a:endParaRPr>
+                    </a:p>
+                  </a:txBody>
+                  <a:tcPr marL="68580" marR="68580" marT="0" marB="0"/>
+                </a:tc>
+              </a:tr>
+              <a:tr h="538917">
+                <a:tc>
+                  <a:txBody>
+                    <a:bodyPr/>
+                    <a:lstStyle/>
+                    <a:p>
+                      <a:pPr algn="just">
+                        <a:lnSpc>
+                          <a:spcPct val="150000"/>
+                        </a:lnSpc>
+                        <a:spcAft>
+                          <a:spcPts val="1000"/>
+                        </a:spcAft>
+                      </a:pPr>
+                      <a:r>
+                        <a:rPr lang="en-US" sz="1400">
+                          <a:effectLst/>
+                        </a:rPr>
+                        <a:t>You</a:t>
+                      </a:r>
+                      <a:endParaRPr lang="ru-RU" sz="1100">
+                        <a:effectLst/>
+                        <a:latin typeface="Calibri" panose="020F0502020204030204" pitchFamily="34" charset="0"/>
+                        <a:ea typeface="Calibri" panose="020F0502020204030204" pitchFamily="34" charset="0"/>
+                        <a:cs typeface="Times New Roman" panose="02020603050405020304" pitchFamily="18" charset="0"/>
+                      </a:endParaRPr>
+                    </a:p>
+                  </a:txBody>
+                  <a:tcPr marL="68580" marR="68580" marT="0" marB="0"/>
+                </a:tc>
+                <a:tc>
+                  <a:txBody>
+                    <a:bodyPr/>
+                    <a:lstStyle/>
+                    <a:p>
+                      <a:pPr algn="just">
+                        <a:lnSpc>
+                          <a:spcPct val="150000"/>
+                        </a:lnSpc>
+                        <a:spcAft>
+                          <a:spcPts val="1000"/>
+                        </a:spcAft>
+                      </a:pPr>
+                      <a:r>
+                        <a:rPr lang="en-US" sz="1400">
+                          <a:effectLst/>
+                        </a:rPr>
+                        <a:t>“left”; “right”</a:t>
+                      </a:r>
+                      <a:endParaRPr lang="ru-RU" sz="1100">
+                        <a:effectLst/>
+                        <a:latin typeface="Calibri" panose="020F0502020204030204" pitchFamily="34" charset="0"/>
+                        <a:ea typeface="Calibri" panose="020F0502020204030204" pitchFamily="34" charset="0"/>
+                        <a:cs typeface="Times New Roman" panose="02020603050405020304" pitchFamily="18" charset="0"/>
+                      </a:endParaRPr>
+                    </a:p>
+                  </a:txBody>
+                  <a:tcPr marL="68580" marR="68580" marT="0" marB="0"/>
+                </a:tc>
+                <a:tc>
+                  <a:txBody>
+                    <a:bodyPr/>
+                    <a:lstStyle/>
+                    <a:p>
+                      <a:pPr algn="just">
+                        <a:lnSpc>
+                          <a:spcPct val="150000"/>
+                        </a:lnSpc>
+                        <a:spcAft>
+                          <a:spcPts val="1000"/>
+                        </a:spcAft>
+                      </a:pPr>
+                      <a:r>
+                        <a:rPr lang="uk-UA" sz="1400">
+                          <a:effectLst/>
+                        </a:rPr>
+                        <a:t>Батут</a:t>
+                      </a:r>
+                      <a:endParaRPr lang="ru-RU" sz="1100">
+                        <a:effectLst/>
+                        <a:latin typeface="Calibri" panose="020F0502020204030204" pitchFamily="34" charset="0"/>
+                        <a:ea typeface="Calibri" panose="020F0502020204030204" pitchFamily="34" charset="0"/>
+                        <a:cs typeface="Times New Roman" panose="02020603050405020304" pitchFamily="18" charset="0"/>
+                      </a:endParaRPr>
+                    </a:p>
+                  </a:txBody>
+                  <a:tcPr marL="68580" marR="68580" marT="0" marB="0"/>
+                </a:tc>
+                <a:tc>
+                  <a:txBody>
+                    <a:bodyPr/>
+                    <a:lstStyle/>
+                    <a:p>
+                      <a:pPr algn="just">
+                        <a:lnSpc>
+                          <a:spcPct val="150000"/>
+                        </a:lnSpc>
+                        <a:spcAft>
+                          <a:spcPts val="1000"/>
+                        </a:spcAft>
+                      </a:pPr>
+                      <a:r>
+                        <a:rPr lang="en-US" sz="1400">
+                          <a:effectLst/>
+                        </a:rPr>
+                        <a:t>sprite</a:t>
+                      </a:r>
+                      <a:endParaRPr lang="ru-RU" sz="1100">
+                        <a:effectLst/>
+                        <a:latin typeface="Calibri" panose="020F0502020204030204" pitchFamily="34" charset="0"/>
+                        <a:ea typeface="Calibri" panose="020F0502020204030204" pitchFamily="34" charset="0"/>
+                        <a:cs typeface="Times New Roman" panose="02020603050405020304" pitchFamily="18" charset="0"/>
+                      </a:endParaRPr>
+                    </a:p>
+                  </a:txBody>
+                  <a:tcPr marL="68580" marR="68580" marT="0" marB="0"/>
+                </a:tc>
+              </a:tr>
+              <a:tr h="538917">
+                <a:tc>
+                  <a:txBody>
+                    <a:bodyPr/>
+                    <a:lstStyle/>
+                    <a:p>
+                      <a:pPr algn="just">
+                        <a:lnSpc>
+                          <a:spcPct val="150000"/>
+                        </a:lnSpc>
+                        <a:spcAft>
+                          <a:spcPts val="1000"/>
+                        </a:spcAft>
+                      </a:pPr>
+                      <a:r>
+                        <a:rPr lang="en-US" sz="1400">
+                          <a:effectLst/>
+                        </a:rPr>
+                        <a:t>people</a:t>
+                      </a:r>
+                      <a:endParaRPr lang="ru-RU" sz="1100">
+                        <a:effectLst/>
+                        <a:latin typeface="Calibri" panose="020F0502020204030204" pitchFamily="34" charset="0"/>
+                        <a:ea typeface="Calibri" panose="020F0502020204030204" pitchFamily="34" charset="0"/>
+                        <a:cs typeface="Times New Roman" panose="02020603050405020304" pitchFamily="18" charset="0"/>
+                      </a:endParaRPr>
+                    </a:p>
+                  </a:txBody>
+                  <a:tcPr marL="68580" marR="68580" marT="0" marB="0"/>
+                </a:tc>
+                <a:tc>
+                  <a:txBody>
+                    <a:bodyPr/>
+                    <a:lstStyle/>
+                    <a:p>
+                      <a:pPr algn="just">
+                        <a:lnSpc>
+                          <a:spcPct val="150000"/>
+                        </a:lnSpc>
+                        <a:spcAft>
+                          <a:spcPts val="1000"/>
+                        </a:spcAft>
+                      </a:pPr>
+                      <a:r>
+                        <a:rPr lang="en-US" sz="1400">
+                          <a:effectLst/>
+                        </a:rPr>
+                        <a:t>“update”</a:t>
+                      </a:r>
+                      <a:endParaRPr lang="ru-RU" sz="1100">
+                        <a:effectLst/>
+                        <a:latin typeface="Calibri" panose="020F0502020204030204" pitchFamily="34" charset="0"/>
+                        <a:ea typeface="Calibri" panose="020F0502020204030204" pitchFamily="34" charset="0"/>
+                        <a:cs typeface="Times New Roman" panose="02020603050405020304" pitchFamily="18" charset="0"/>
+                      </a:endParaRPr>
+                    </a:p>
+                  </a:txBody>
+                  <a:tcPr marL="68580" marR="68580" marT="0" marB="0"/>
+                </a:tc>
+                <a:tc>
+                  <a:txBody>
+                    <a:bodyPr/>
+                    <a:lstStyle/>
+                    <a:p>
+                      <a:pPr algn="just">
+                        <a:lnSpc>
+                          <a:spcPct val="150000"/>
+                        </a:lnSpc>
+                        <a:spcAft>
+                          <a:spcPts val="1000"/>
+                        </a:spcAft>
+                      </a:pPr>
+                      <a:r>
+                        <a:rPr lang="uk-UA" sz="1400">
+                          <a:effectLst/>
+                        </a:rPr>
+                        <a:t>Падаючи люди</a:t>
+                      </a:r>
+                      <a:endParaRPr lang="ru-RU" sz="1100">
+                        <a:effectLst/>
+                        <a:latin typeface="Calibri" panose="020F0502020204030204" pitchFamily="34" charset="0"/>
+                        <a:ea typeface="Calibri" panose="020F0502020204030204" pitchFamily="34" charset="0"/>
+                        <a:cs typeface="Times New Roman" panose="02020603050405020304" pitchFamily="18" charset="0"/>
+                      </a:endParaRPr>
+                    </a:p>
+                  </a:txBody>
+                  <a:tcPr marL="68580" marR="68580" marT="0" marB="0"/>
+                </a:tc>
+                <a:tc>
+                  <a:txBody>
+                    <a:bodyPr/>
+                    <a:lstStyle/>
+                    <a:p>
+                      <a:pPr algn="just">
+                        <a:lnSpc>
+                          <a:spcPct val="150000"/>
+                        </a:lnSpc>
+                        <a:spcAft>
+                          <a:spcPts val="1000"/>
+                        </a:spcAft>
+                      </a:pPr>
+                      <a:r>
+                        <a:rPr lang="en-US" sz="1400">
+                          <a:effectLst/>
+                        </a:rPr>
+                        <a:t>sprite</a:t>
+                      </a:r>
+                      <a:endParaRPr lang="ru-RU" sz="1100">
+                        <a:effectLst/>
+                        <a:latin typeface="Calibri" panose="020F0502020204030204" pitchFamily="34" charset="0"/>
+                        <a:ea typeface="Calibri" panose="020F0502020204030204" pitchFamily="34" charset="0"/>
+                        <a:cs typeface="Times New Roman" panose="02020603050405020304" pitchFamily="18" charset="0"/>
+                      </a:endParaRPr>
+                    </a:p>
+                  </a:txBody>
+                  <a:tcPr marL="68580" marR="68580" marT="0" marB="0"/>
+                </a:tc>
+              </a:tr>
+              <a:tr h="538917">
+                <a:tc>
+                  <a:txBody>
+                    <a:bodyPr/>
+                    <a:lstStyle/>
+                    <a:p>
+                      <a:pPr algn="just">
+                        <a:lnSpc>
+                          <a:spcPct val="150000"/>
+                        </a:lnSpc>
+                        <a:spcAft>
+                          <a:spcPts val="1000"/>
+                        </a:spcAft>
+                      </a:pPr>
+                      <a:r>
+                        <a:rPr lang="en-US" sz="1400">
+                          <a:effectLst/>
+                        </a:rPr>
+                        <a:t>stone</a:t>
+                      </a:r>
+                      <a:endParaRPr lang="ru-RU" sz="1100">
+                        <a:effectLst/>
+                        <a:latin typeface="Calibri" panose="020F0502020204030204" pitchFamily="34" charset="0"/>
+                        <a:ea typeface="Calibri" panose="020F0502020204030204" pitchFamily="34" charset="0"/>
+                        <a:cs typeface="Times New Roman" panose="02020603050405020304" pitchFamily="18" charset="0"/>
+                      </a:endParaRPr>
+                    </a:p>
+                  </a:txBody>
+                  <a:tcPr marL="68580" marR="68580" marT="0" marB="0"/>
+                </a:tc>
+                <a:tc>
+                  <a:txBody>
+                    <a:bodyPr/>
+                    <a:lstStyle/>
+                    <a:p>
+                      <a:pPr algn="just">
+                        <a:lnSpc>
+                          <a:spcPct val="150000"/>
+                        </a:lnSpc>
+                        <a:spcAft>
+                          <a:spcPts val="1000"/>
+                        </a:spcAft>
+                      </a:pPr>
+                      <a:r>
+                        <a:rPr lang="en-US" sz="1400">
+                          <a:effectLst/>
+                        </a:rPr>
+                        <a:t>“update”</a:t>
+                      </a:r>
+                      <a:endParaRPr lang="ru-RU" sz="1100">
+                        <a:effectLst/>
+                        <a:latin typeface="Calibri" panose="020F0502020204030204" pitchFamily="34" charset="0"/>
+                        <a:ea typeface="Calibri" panose="020F0502020204030204" pitchFamily="34" charset="0"/>
+                        <a:cs typeface="Times New Roman" panose="02020603050405020304" pitchFamily="18" charset="0"/>
+                      </a:endParaRPr>
+                    </a:p>
+                  </a:txBody>
+                  <a:tcPr marL="68580" marR="68580" marT="0" marB="0"/>
+                </a:tc>
+                <a:tc>
+                  <a:txBody>
+                    <a:bodyPr/>
+                    <a:lstStyle/>
+                    <a:p>
+                      <a:pPr algn="just">
+                        <a:lnSpc>
+                          <a:spcPct val="150000"/>
+                        </a:lnSpc>
+                        <a:spcAft>
+                          <a:spcPts val="1000"/>
+                        </a:spcAft>
+                      </a:pPr>
+                      <a:r>
+                        <a:rPr lang="uk-UA" sz="1400">
+                          <a:effectLst/>
+                        </a:rPr>
+                        <a:t>Падаюче каміння</a:t>
+                      </a:r>
+                      <a:endParaRPr lang="ru-RU" sz="1100">
+                        <a:effectLst/>
+                        <a:latin typeface="Calibri" panose="020F0502020204030204" pitchFamily="34" charset="0"/>
+                        <a:ea typeface="Calibri" panose="020F0502020204030204" pitchFamily="34" charset="0"/>
+                        <a:cs typeface="Times New Roman" panose="02020603050405020304" pitchFamily="18" charset="0"/>
+                      </a:endParaRPr>
+                    </a:p>
+                  </a:txBody>
+                  <a:tcPr marL="68580" marR="68580" marT="0" marB="0"/>
+                </a:tc>
+                <a:tc>
+                  <a:txBody>
+                    <a:bodyPr/>
+                    <a:lstStyle/>
+                    <a:p>
+                      <a:pPr algn="just">
+                        <a:lnSpc>
+                          <a:spcPct val="150000"/>
+                        </a:lnSpc>
+                        <a:spcAft>
+                          <a:spcPts val="1000"/>
+                        </a:spcAft>
+                      </a:pPr>
+                      <a:r>
+                        <a:rPr lang="en-US" sz="1400" dirty="0">
+                          <a:effectLst/>
+                        </a:rPr>
+                        <a:t>sprite</a:t>
+                      </a:r>
+                      <a:endParaRPr lang="ru-RU" sz="1100" dirty="0">
+                        <a:effectLst/>
+                        <a:latin typeface="Calibri" panose="020F0502020204030204" pitchFamily="34" charset="0"/>
+                        <a:ea typeface="Calibri" panose="020F0502020204030204" pitchFamily="34" charset="0"/>
+                        <a:cs typeface="Times New Roman" panose="02020603050405020304" pitchFamily="18" charset="0"/>
+                      </a:endParaRPr>
+                    </a:p>
+                  </a:txBody>
+                  <a:tcPr marL="68580" marR="68580" marT="0" marB="0"/>
+                </a:tc>
+              </a:tr>
+            </a:tbl>
+          </a:graphicData>
+        </a:graphic>
+      </p:graphicFrame>
+      <p:sp>
+        <p:nvSpPr>
+          <p:cNvPr id="4" name="Номер слайда 3"/>
+          <p:cNvSpPr>
+            <a:spLocks noGrp="1"/>
+          </p:cNvSpPr>
+          <p:nvPr>
+            <p:ph type="sldNum" sz="quarter" idx="12"/>
+          </p:nvPr>
+        </p:nvSpPr>
+        <p:spPr/>
+        <p:txBody>
+          <a:bodyPr/>
+          <a:lstStyle/>
+          <a:p>
+            <a:fld id="{97CC2521-3C23-4974-B647-735AEAF387E4}" type="slidenum">
+              <a:rPr lang="ru-RU" smtClean="0"/>
+              <a:t>12</a:t>
+            </a:fld>
+            <a:endParaRPr lang="ru-RU"/>
+          </a:p>
+        </p:txBody>
+      </p:sp>
     </p:spTree>
     <p:extLst>
       <p:ext uri="{BB962C8B-B14F-4D97-AF65-F5344CB8AC3E}">
-        <p14:creationId xmlns:p14="http://schemas.microsoft.com/office/powerpoint/2010/main" val="3735228410"/>
+        <p14:creationId xmlns:p14="http://schemas.microsoft.com/office/powerpoint/2010/main" val="2762028789"/>
       </p:ext>
     </p:extLst>
   </p:cSld>
   <p:clrMapOvr>
     <a:masterClrMapping/>
   </p:clrMapOvr>
-  <p:timing>
-    <p:tnLst>
-      <p:par>
-        <p:cTn id="1" dur="indefinite" restart="never" nodeType="tmRoot"/>
-      </p:par>
-    </p:tnLst>
-  </p:timing>
 </p:sld>
 </file>
 
 <file path=ppt/slides/slide13.xml><?xml version="1.0" encoding="utf-8"?>
+<p:sld xmlns:a="http://schemas.openxmlformats.org/drawingml/2006/main" xmlns:r="http://schemas.openxmlformats.org/officeDocument/2006/relationships" xmlns:p="http://schemas.openxmlformats.org/presentationml/2006/main">
+  <p:cSld>
+    <p:spTree>
+      <p:nvGrpSpPr>
+        <p:cNvPr id="1" name=""/>
+        <p:cNvGrpSpPr/>
+        <p:nvPr/>
+      </p:nvGrpSpPr>
+      <p:grpSpPr>
+        <a:xfrm>
+          <a:off x="0" y="0"/>
+          <a:ext cx="0" cy="0"/>
+          <a:chOff x="0" y="0"/>
+          <a:chExt cx="0" cy="0"/>
+        </a:xfrm>
+      </p:grpSpPr>
+      <p:sp>
+        <p:nvSpPr>
+          <p:cNvPr id="2" name="Заголовок 1"/>
+          <p:cNvSpPr>
+            <a:spLocks noGrp="1"/>
+          </p:cNvSpPr>
+          <p:nvPr>
+            <p:ph type="title"/>
+          </p:nvPr>
+        </p:nvSpPr>
+        <p:spPr>
+          <a:xfrm>
+            <a:off x="6746740" y="0"/>
+            <a:ext cx="4371184" cy="1352282"/>
+          </a:xfrm>
+        </p:spPr>
+        <p:txBody>
+          <a:bodyPr/>
+          <a:lstStyle/>
+          <a:p>
+            <a:r>
+              <a:rPr lang="uk-UA" dirty="0" smtClean="0">
+                <a:solidFill>
+                  <a:schemeClr val="tx1"/>
+                </a:solidFill>
+              </a:rPr>
+              <a:t>Приклад Блок схем меню </a:t>
+            </a:r>
+            <a:endParaRPr lang="ru-RU" dirty="0">
+              <a:solidFill>
+                <a:schemeClr val="tx1"/>
+              </a:solidFill>
+            </a:endParaRPr>
+          </a:p>
+        </p:txBody>
+      </p:sp>
+      <p:sp>
+        <p:nvSpPr>
+          <p:cNvPr id="3" name="Объект 2"/>
+          <p:cNvSpPr>
+            <a:spLocks noGrp="1"/>
+          </p:cNvSpPr>
+          <p:nvPr>
+            <p:ph idx="1"/>
+          </p:nvPr>
+        </p:nvSpPr>
+        <p:spPr>
+          <a:xfrm>
+            <a:off x="270456" y="360609"/>
+            <a:ext cx="7727324" cy="5680754"/>
+          </a:xfrm>
+        </p:spPr>
+        <p:txBody>
+          <a:bodyPr/>
+          <a:lstStyle/>
+          <a:p>
+            <a:endParaRPr lang="ru-RU" dirty="0"/>
+          </a:p>
+        </p:txBody>
+      </p:sp>
+      <p:sp>
+        <p:nvSpPr>
+          <p:cNvPr id="4" name="Номер слайда 3"/>
+          <p:cNvSpPr>
+            <a:spLocks noGrp="1"/>
+          </p:cNvSpPr>
+          <p:nvPr>
+            <p:ph type="sldNum" sz="quarter" idx="12"/>
+          </p:nvPr>
+        </p:nvSpPr>
+        <p:spPr/>
+        <p:txBody>
+          <a:bodyPr/>
+          <a:lstStyle/>
+          <a:p>
+            <a:fld id="{97CC2521-3C23-4974-B647-735AEAF387E4}" type="slidenum">
+              <a:rPr lang="ru-RU" smtClean="0"/>
+              <a:t>13</a:t>
+            </a:fld>
+            <a:endParaRPr lang="ru-RU"/>
+          </a:p>
+        </p:txBody>
+      </p:sp>
+      <p:sp>
+        <p:nvSpPr>
+          <p:cNvPr id="5" name="Rectangle 2"/>
+          <p:cNvSpPr>
+            <a:spLocks noChangeArrowheads="1"/>
+          </p:cNvSpPr>
+          <p:nvPr/>
+        </p:nvSpPr>
+        <p:spPr bwMode="auto">
+          <a:xfrm>
+            <a:off x="0" y="0"/>
+            <a:ext cx="12192000" cy="0"/>
+          </a:xfrm>
+          <a:prstGeom prst="rect">
+            <a:avLst/>
+          </a:prstGeom>
+          <a:noFill/>
+          <a:ln>
+            <a:noFill/>
+          </a:ln>
+          <a:effectLst/>
+          <a:extLst>
+            <a:ext uri="{909E8E84-426E-40DD-AFC4-6F175D3DCCD1}">
+              <a14:hiddenFill xmlns:a14="http://schemas.microsoft.com/office/drawing/2010/main">
+                <a:solidFill>
+                  <a:schemeClr val="accent1"/>
+                </a:solidFill>
+              </a14:hiddenFill>
+            </a:ext>
+            <a:ext uri="{91240B29-F687-4F45-9708-019B960494DF}">
+              <a14:hiddenLine xmlns:a14="http://schemas.microsoft.com/office/drawing/2010/main" w="9525">
+                <a:solidFill>
+                  <a:schemeClr val="tx1"/>
+                </a:solidFill>
+                <a:miter lim="800000"/>
+                <a:headEnd/>
+                <a:tailEnd/>
+              </a14:hiddenLine>
+            </a:ext>
+            <a:ext uri="{AF507438-7753-43E0-B8FC-AC1667EBCBE1}">
+              <a14:hiddenEffects xmlns:a14="http://schemas.microsoft.com/office/drawing/2010/main">
+                <a:effectLst>
+                  <a:outerShdw dist="35921" dir="2700000" algn="ctr" rotWithShape="0">
+                    <a:schemeClr val="bg2"/>
+                  </a:outerShdw>
+                </a:effectLst>
+              </a14:hiddenEffects>
+            </a:ext>
+          </a:extLst>
+        </p:spPr>
+        <p:txBody>
+          <a:bodyPr vert="horz" wrap="none" lIns="91440" tIns="45720" rIns="91440" bIns="45720" numCol="1" anchor="ctr" anchorCtr="0" compatLnSpc="1">
+            <a:prstTxWarp prst="textNoShape">
+              <a:avLst/>
+            </a:prstTxWarp>
+            <a:spAutoFit/>
+          </a:bodyPr>
+          <a:lstStyle/>
+          <a:p>
+            <a:endParaRPr lang="ru-RU"/>
+          </a:p>
+        </p:txBody>
+      </p:sp>
+      <p:graphicFrame>
+        <p:nvGraphicFramePr>
+          <p:cNvPr id="6" name="Объект 5"/>
+          <p:cNvGraphicFramePr>
+            <a:graphicFrameLocks noChangeAspect="1"/>
+          </p:cNvGraphicFramePr>
+          <p:nvPr>
+            <p:extLst>
+              <p:ext uri="{D42A27DB-BD31-4B8C-83A1-F6EECF244321}">
+                <p14:modId xmlns:p14="http://schemas.microsoft.com/office/powerpoint/2010/main" val="1490500868"/>
+              </p:ext>
+            </p:extLst>
+          </p:nvPr>
+        </p:nvGraphicFramePr>
+        <p:xfrm>
+          <a:off x="1452173" y="0"/>
+          <a:ext cx="4561366" cy="6674625"/>
+        </p:xfrm>
+        <a:graphic>
+          <a:graphicData uri="http://schemas.openxmlformats.org/presentationml/2006/ole">
+            <mc:AlternateContent xmlns:mc="http://schemas.openxmlformats.org/markup-compatibility/2006">
+              <mc:Choice xmlns:v="urn:schemas-microsoft-com:vml" Requires="v">
+                <p:oleObj spid="_x0000_s2051" name="Visio" r:id="rId3" imgW="7099020" imgH="10444145" progId="Visio.Drawing.11">
+                  <p:embed/>
+                </p:oleObj>
+              </mc:Choice>
+              <mc:Fallback>
+                <p:oleObj name="Visio" r:id="rId3" imgW="7099020" imgH="10444145" progId="Visio.Drawing.11">
+                  <p:embed/>
+                  <p:pic>
+                    <p:nvPicPr>
+                      <p:cNvPr id="0" name="Object 1"/>
+                      <p:cNvPicPr>
+                        <a:picLocks noChangeAspect="1" noChangeArrowheads="1"/>
+                      </p:cNvPicPr>
+                      <p:nvPr/>
+                    </p:nvPicPr>
+                    <p:blipFill>
+                      <a:blip r:embed="rId4">
+                        <a:extLst>
+                          <a:ext uri="{28A0092B-C50C-407E-A947-70E740481C1C}">
+                            <a14:useLocalDpi xmlns:a14="http://schemas.microsoft.com/office/drawing/2010/main" val="0"/>
+                          </a:ext>
+                        </a:extLst>
+                      </a:blip>
+                      <a:srcRect/>
+                      <a:stretch>
+                        <a:fillRect/>
+                      </a:stretch>
+                    </p:blipFill>
+                    <p:spPr bwMode="auto">
+                      <a:xfrm>
+                        <a:off x="1452173" y="0"/>
+                        <a:ext cx="4561366" cy="6674625"/>
+                      </a:xfrm>
+                      <a:prstGeom prst="rect">
+                        <a:avLst/>
+                      </a:prstGeom>
+                      <a:noFill/>
+                    </p:spPr>
+                  </p:pic>
+                </p:oleObj>
+              </mc:Fallback>
+            </mc:AlternateContent>
+          </a:graphicData>
+        </a:graphic>
+      </p:graphicFrame>
+    </p:spTree>
+    <p:extLst>
+      <p:ext uri="{BB962C8B-B14F-4D97-AF65-F5344CB8AC3E}">
+        <p14:creationId xmlns:p14="http://schemas.microsoft.com/office/powerpoint/2010/main" val="3723010735"/>
+      </p:ext>
+    </p:extLst>
+  </p:cSld>
+  <p:clrMapOvr>
+    <a:masterClrMapping/>
+  </p:clrMapOvr>
+</p:sld>
+</file>
+
+<file path=ppt/slides/slide14.xml><?xml version="1.0" encoding="utf-8"?>
 <p:sld xmlns:a="http://schemas.openxmlformats.org/drawingml/2006/main" xmlns:r="http://schemas.openxmlformats.org/officeDocument/2006/relationships" xmlns:p="http://schemas.openxmlformats.org/presentationml/2006/main">
   <p:cSld>
     <p:spTree>
@@ -7410,151 +8147,6 @@
                   <a:schemeClr val="tx1"/>
                 </a:solidFill>
               </a:rPr>
-              <a:t>13</a:t>
-            </a:fld>
-            <a:endParaRPr lang="ru-RU" sz="2400" dirty="0">
-              <a:solidFill>
-                <a:schemeClr val="tx1"/>
-              </a:solidFill>
-            </a:endParaRPr>
-          </a:p>
-        </p:txBody>
-      </p:sp>
-    </p:spTree>
-    <p:extLst>
-      <p:ext uri="{BB962C8B-B14F-4D97-AF65-F5344CB8AC3E}">
-        <p14:creationId xmlns:p14="http://schemas.microsoft.com/office/powerpoint/2010/main" val="957860728"/>
-      </p:ext>
-    </p:extLst>
-  </p:cSld>
-  <p:clrMapOvr>
-    <a:masterClrMapping/>
-  </p:clrMapOvr>
-  <p:timing>
-    <p:tnLst>
-      <p:par>
-        <p:cTn id="1" dur="indefinite" restart="never" nodeType="tmRoot"/>
-      </p:par>
-    </p:tnLst>
-  </p:timing>
-</p:sld>
-</file>
-
-<file path=ppt/slides/slide14.xml><?xml version="1.0" encoding="utf-8"?>
-<p:sld xmlns:a="http://schemas.openxmlformats.org/drawingml/2006/main" xmlns:r="http://schemas.openxmlformats.org/officeDocument/2006/relationships" xmlns:p="http://schemas.openxmlformats.org/presentationml/2006/main">
-  <p:cSld>
-    <p:spTree>
-      <p:nvGrpSpPr>
-        <p:cNvPr id="1" name=""/>
-        <p:cNvGrpSpPr/>
-        <p:nvPr/>
-      </p:nvGrpSpPr>
-      <p:grpSpPr>
-        <a:xfrm>
-          <a:off x="0" y="0"/>
-          <a:ext cx="0" cy="0"/>
-          <a:chOff x="0" y="0"/>
-          <a:chExt cx="0" cy="0"/>
-        </a:xfrm>
-      </p:grpSpPr>
-      <p:pic>
-        <p:nvPicPr>
-          <p:cNvPr id="8" name="Объект 7"/>
-          <p:cNvPicPr>
-            <a:picLocks noGrp="1" noChangeAspect="1"/>
-          </p:cNvPicPr>
-          <p:nvPr>
-            <p:ph sz="half" idx="1"/>
-          </p:nvPr>
-        </p:nvPicPr>
-        <p:blipFill rotWithShape="1">
-          <a:blip r:embed="rId2">
-            <a:extLst>
-              <a:ext uri="{28A0092B-C50C-407E-A947-70E740481C1C}">
-                <a14:useLocalDpi xmlns:a14="http://schemas.microsoft.com/office/drawing/2010/main" val="0"/>
-              </a:ext>
-            </a:extLst>
-          </a:blip>
-          <a:srcRect l="1961" t="3220" r="46931" b="23947"/>
-          <a:stretch/>
-        </p:blipFill>
-        <p:spPr>
-          <a:xfrm>
-            <a:off x="3000774" y="881256"/>
-            <a:ext cx="5088123" cy="4076630"/>
-          </a:xfrm>
-        </p:spPr>
-      </p:pic>
-      <p:sp>
-        <p:nvSpPr>
-          <p:cNvPr id="10" name="Объект 9"/>
-          <p:cNvSpPr>
-            <a:spLocks noGrp="1"/>
-          </p:cNvSpPr>
-          <p:nvPr>
-            <p:ph sz="half" idx="2"/>
-          </p:nvPr>
-        </p:nvSpPr>
-        <p:spPr>
-          <a:xfrm>
-            <a:off x="698275" y="421940"/>
-            <a:ext cx="4184034" cy="3880773"/>
-          </a:xfrm>
-        </p:spPr>
-        <p:txBody>
-          <a:bodyPr/>
-          <a:lstStyle/>
-          <a:p>
-            <a:pPr marL="0" indent="0">
-              <a:buNone/>
-            </a:pPr>
-            <a:r>
-              <a:rPr lang="uk-UA" dirty="0" smtClean="0">
-                <a:solidFill>
-                  <a:schemeClr val="accent1">
-                    <a:lumMod val="50000"/>
-                  </a:schemeClr>
-                </a:solidFill>
-              </a:rPr>
-              <a:t>Додатковий сценарій</a:t>
-            </a:r>
-            <a:endParaRPr lang="uk-UA" dirty="0">
-              <a:solidFill>
-                <a:schemeClr val="accent1">
-                  <a:lumMod val="50000"/>
-                </a:schemeClr>
-              </a:solidFill>
-            </a:endParaRPr>
-          </a:p>
-          <a:p>
-            <a:pPr marL="0" indent="0">
-              <a:buNone/>
-            </a:pPr>
-            <a:endParaRPr lang="ru-RU" dirty="0"/>
-          </a:p>
-        </p:txBody>
-      </p:sp>
-      <p:sp>
-        <p:nvSpPr>
-          <p:cNvPr id="2" name="Номер слайда 1"/>
-          <p:cNvSpPr>
-            <a:spLocks noGrp="1"/>
-          </p:cNvSpPr>
-          <p:nvPr>
-            <p:ph type="sldNum" sz="quarter" idx="12"/>
-          </p:nvPr>
-        </p:nvSpPr>
-        <p:spPr/>
-        <p:txBody>
-          <a:bodyPr/>
-          <a:lstStyle/>
-          <a:p>
-            <a:fld id="{97CC2521-3C23-4974-B647-735AEAF387E4}" type="slidenum">
-              <a:rPr lang="ru-RU" sz="2400" smtClean="0">
-                <a:solidFill>
-                  <a:schemeClr val="tx1"/>
-                </a:solidFill>
-              </a:rPr>
               <a:t>14</a:t>
             </a:fld>
             <a:endParaRPr lang="ru-RU" sz="2400" dirty="0">
@@ -7568,7 +8160,7 @@
     </p:spTree>
     <p:extLst>
       <p:ext uri="{BB962C8B-B14F-4D97-AF65-F5344CB8AC3E}">
-        <p14:creationId xmlns:p14="http://schemas.microsoft.com/office/powerpoint/2010/main" val="650213212"/>
+        <p14:creationId xmlns:p14="http://schemas.microsoft.com/office/powerpoint/2010/main" val="957860728"/>
       </p:ext>
     </p:extLst>
   </p:cSld>
@@ -7602,22 +8194,50 @@
           <a:chExt cx="0" cy="0"/>
         </a:xfrm>
       </p:grpSpPr>
-      <p:sp>
-        <p:nvSpPr>
-          <p:cNvPr id="3" name="Объект 2"/>
-          <p:cNvSpPr>
-            <a:spLocks noGrp="1"/>
-          </p:cNvSpPr>
-          <p:nvPr>
-            <p:ph idx="1"/>
-          </p:nvPr>
-        </p:nvSpPr>
+      <p:pic>
+        <p:nvPicPr>
+          <p:cNvPr id="8" name="Объект 7"/>
+          <p:cNvPicPr>
+            <a:picLocks noGrp="1" noChangeAspect="1"/>
+          </p:cNvPicPr>
+          <p:nvPr>
+            <p:ph sz="half" idx="1"/>
+          </p:nvPr>
+        </p:nvPicPr>
+        <p:blipFill rotWithShape="1">
+          <a:blip r:embed="rId2">
+            <a:extLst>
+              <a:ext uri="{28A0092B-C50C-407E-A947-70E740481C1C}">
+                <a14:useLocalDpi xmlns:a14="http://schemas.microsoft.com/office/drawing/2010/main" val="0"/>
+              </a:ext>
+            </a:extLst>
+          </a:blip>
+          <a:srcRect l="1961" t="3220" r="46931" b="23947"/>
+          <a:stretch/>
+        </p:blipFill>
         <p:spPr>
           <a:xfrm>
-            <a:off x="509909" y="566671"/>
-            <a:ext cx="8596668" cy="4882264"/>
+            <a:off x="3000774" y="881256"/>
+            <a:ext cx="5088123" cy="4076630"/>
           </a:xfrm>
         </p:spPr>
+      </p:pic>
+      <p:sp>
+        <p:nvSpPr>
+          <p:cNvPr id="10" name="Объект 9"/>
+          <p:cNvSpPr>
+            <a:spLocks noGrp="1"/>
+          </p:cNvSpPr>
+          <p:nvPr>
+            <p:ph sz="half" idx="2"/>
+          </p:nvPr>
+        </p:nvSpPr>
+        <p:spPr>
+          <a:xfrm>
+            <a:off x="698275" y="421940"/>
+            <a:ext cx="4184034" cy="3880773"/>
+          </a:xfrm>
+        </p:spPr>
         <p:txBody>
           <a:bodyPr/>
           <a:lstStyle/>
@@ -7626,109 +8246,22 @@
               <a:buNone/>
             </a:pPr>
             <a:r>
-              <a:rPr lang="uk-UA" sz="3200" dirty="0" smtClean="0">
-                <a:solidFill>
-                  <a:schemeClr val="tx1"/>
+              <a:rPr lang="uk-UA" dirty="0" smtClean="0">
+                <a:solidFill>
+                  <a:schemeClr val="accent1">
+                    <a:lumMod val="50000"/>
+                  </a:schemeClr>
                 </a:solidFill>
               </a:rPr>
-              <a:t>Висновки:</a:t>
-            </a:r>
-            <a:endParaRPr lang="uk-UA" sz="3200" dirty="0">
+              <a:t>Додатковий сценарій</a:t>
+            </a:r>
+            <a:endParaRPr lang="uk-UA" dirty="0">
               <a:solidFill>
-                <a:schemeClr val="tx1"/>
+                <a:schemeClr val="accent1">
+                  <a:lumMod val="50000"/>
+                </a:schemeClr>
               </a:solidFill>
             </a:endParaRPr>
-          </a:p>
-          <a:p>
-            <a:r>
-              <a:rPr lang="uk-UA" sz="3200" dirty="0">
-                <a:solidFill>
-                  <a:schemeClr val="tx1"/>
-                </a:solidFill>
-              </a:rPr>
-              <a:t> </a:t>
-            </a:r>
-            <a:r>
-              <a:rPr lang="uk-UA" sz="3200" dirty="0" smtClean="0">
-                <a:solidFill>
-                  <a:schemeClr val="tx1"/>
-                </a:solidFill>
-              </a:rPr>
-              <a:t>Проаналізовано існуючі </a:t>
-            </a:r>
-            <a:r>
-              <a:rPr lang="uk-UA" sz="3200" dirty="0">
-                <a:solidFill>
-                  <a:schemeClr val="tx1"/>
-                </a:solidFill>
-              </a:rPr>
-              <a:t>аналоги даної гри</a:t>
-            </a:r>
-          </a:p>
-          <a:p>
-            <a:r>
-              <a:rPr lang="uk-UA" sz="3200" dirty="0">
-                <a:solidFill>
-                  <a:schemeClr val="tx1"/>
-                </a:solidFill>
-              </a:rPr>
-              <a:t> </a:t>
-            </a:r>
-            <a:r>
-              <a:rPr lang="uk-UA" sz="3200" dirty="0" smtClean="0">
-                <a:solidFill>
-                  <a:schemeClr val="tx1"/>
-                </a:solidFill>
-              </a:rPr>
-              <a:t>Розроблено гру</a:t>
-            </a:r>
-            <a:endParaRPr lang="uk-UA" sz="3200" dirty="0">
-              <a:solidFill>
-                <a:schemeClr val="tx1"/>
-              </a:solidFill>
-            </a:endParaRPr>
-          </a:p>
-          <a:p>
-            <a:r>
-              <a:rPr lang="uk-UA" sz="3200" dirty="0">
-                <a:solidFill>
-                  <a:schemeClr val="tx1"/>
-                </a:solidFill>
-              </a:rPr>
-              <a:t> </a:t>
-            </a:r>
-            <a:r>
-              <a:rPr lang="uk-UA" sz="3200" dirty="0" smtClean="0">
-                <a:solidFill>
-                  <a:schemeClr val="tx1"/>
-                </a:solidFill>
-              </a:rPr>
-              <a:t>Розроб</a:t>
-            </a:r>
-            <a:r>
-              <a:rPr lang="uk-UA" sz="3200" dirty="0">
-                <a:solidFill>
-                  <a:schemeClr val="tx1"/>
-                </a:solidFill>
-              </a:rPr>
-              <a:t>лено</a:t>
-            </a:r>
-            <a:r>
-              <a:rPr lang="uk-UA" sz="3200" dirty="0" smtClean="0">
-                <a:solidFill>
-                  <a:schemeClr val="tx1"/>
-                </a:solidFill>
-              </a:rPr>
-              <a:t> </a:t>
-            </a:r>
-            <a:r>
-              <a:rPr lang="uk-UA" sz="3200" dirty="0">
-                <a:solidFill>
-                  <a:schemeClr val="tx1"/>
-                </a:solidFill>
-              </a:rPr>
-              <a:t>інтерфейс гри </a:t>
-            </a:r>
           </a:p>
           <a:p>
             <a:pPr marL="0" indent="0">
@@ -7772,7 +8305,7 @@
     </p:spTree>
     <p:extLst>
       <p:ext uri="{BB962C8B-B14F-4D97-AF65-F5344CB8AC3E}">
-        <p14:creationId xmlns:p14="http://schemas.microsoft.com/office/powerpoint/2010/main" val="3584993668"/>
+        <p14:creationId xmlns:p14="http://schemas.microsoft.com/office/powerpoint/2010/main" val="650213212"/>
       </p:ext>
     </p:extLst>
   </p:cSld>
@@ -7818,6 +8351,210 @@
         </p:nvSpPr>
         <p:spPr>
           <a:xfrm>
+            <a:off x="509909" y="566671"/>
+            <a:ext cx="8596668" cy="4882264"/>
+          </a:xfrm>
+        </p:spPr>
+        <p:txBody>
+          <a:bodyPr/>
+          <a:lstStyle/>
+          <a:p>
+            <a:pPr marL="0" indent="0">
+              <a:buNone/>
+            </a:pPr>
+            <a:r>
+              <a:rPr lang="uk-UA" sz="3200" dirty="0" smtClean="0">
+                <a:solidFill>
+                  <a:schemeClr val="tx1"/>
+                </a:solidFill>
+              </a:rPr>
+              <a:t>Висновки:</a:t>
+            </a:r>
+            <a:endParaRPr lang="uk-UA" sz="3200" dirty="0">
+              <a:solidFill>
+                <a:schemeClr val="tx1"/>
+              </a:solidFill>
+            </a:endParaRPr>
+          </a:p>
+          <a:p>
+            <a:r>
+              <a:rPr lang="uk-UA" sz="3200" dirty="0">
+                <a:solidFill>
+                  <a:schemeClr val="tx1"/>
+                </a:solidFill>
+              </a:rPr>
+              <a:t> </a:t>
+            </a:r>
+            <a:r>
+              <a:rPr lang="uk-UA" sz="3200" dirty="0" smtClean="0">
+                <a:solidFill>
+                  <a:schemeClr val="tx1"/>
+                </a:solidFill>
+              </a:rPr>
+              <a:t>Проаналізовано існуючі </a:t>
+            </a:r>
+            <a:r>
+              <a:rPr lang="uk-UA" sz="3200" dirty="0">
+                <a:solidFill>
+                  <a:schemeClr val="tx1"/>
+                </a:solidFill>
+              </a:rPr>
+              <a:t>аналоги даної гри</a:t>
+            </a:r>
+          </a:p>
+          <a:p>
+            <a:r>
+              <a:rPr lang="uk-UA" sz="3200" dirty="0">
+                <a:solidFill>
+                  <a:schemeClr val="tx1"/>
+                </a:solidFill>
+              </a:rPr>
+              <a:t> </a:t>
+            </a:r>
+            <a:r>
+              <a:rPr lang="uk-UA" sz="3200" dirty="0" smtClean="0">
+                <a:solidFill>
+                  <a:schemeClr val="tx1"/>
+                </a:solidFill>
+              </a:rPr>
+              <a:t>Розроблено гру</a:t>
+            </a:r>
+            <a:endParaRPr lang="uk-UA" sz="3200" dirty="0">
+              <a:solidFill>
+                <a:schemeClr val="tx1"/>
+              </a:solidFill>
+            </a:endParaRPr>
+          </a:p>
+          <a:p>
+            <a:r>
+              <a:rPr lang="uk-UA" sz="3200" dirty="0">
+                <a:solidFill>
+                  <a:schemeClr val="tx1"/>
+                </a:solidFill>
+              </a:rPr>
+              <a:t> </a:t>
+            </a:r>
+            <a:r>
+              <a:rPr lang="uk-UA" sz="3200" dirty="0" smtClean="0">
+                <a:solidFill>
+                  <a:schemeClr val="tx1"/>
+                </a:solidFill>
+              </a:rPr>
+              <a:t>Розроб</a:t>
+            </a:r>
+            <a:r>
+              <a:rPr lang="uk-UA" sz="3200" dirty="0">
+                <a:solidFill>
+                  <a:schemeClr val="tx1"/>
+                </a:solidFill>
+              </a:rPr>
+              <a:t>лено</a:t>
+            </a:r>
+            <a:r>
+              <a:rPr lang="uk-UA" sz="3200" dirty="0" smtClean="0">
+                <a:solidFill>
+                  <a:schemeClr val="tx1"/>
+                </a:solidFill>
+              </a:rPr>
+              <a:t> </a:t>
+            </a:r>
+            <a:r>
+              <a:rPr lang="uk-UA" sz="3200" dirty="0">
+                <a:solidFill>
+                  <a:schemeClr val="tx1"/>
+                </a:solidFill>
+              </a:rPr>
+              <a:t>інтерфейс гри </a:t>
+            </a:r>
+          </a:p>
+          <a:p>
+            <a:pPr marL="0" indent="0">
+              <a:buNone/>
+            </a:pPr>
+            <a:endParaRPr lang="ru-RU" dirty="0"/>
+          </a:p>
+        </p:txBody>
+      </p:sp>
+      <p:sp>
+        <p:nvSpPr>
+          <p:cNvPr id="2" name="Номер слайда 1"/>
+          <p:cNvSpPr>
+            <a:spLocks noGrp="1"/>
+          </p:cNvSpPr>
+          <p:nvPr>
+            <p:ph type="sldNum" sz="quarter" idx="12"/>
+          </p:nvPr>
+        </p:nvSpPr>
+        <p:spPr/>
+        <p:txBody>
+          <a:bodyPr/>
+          <a:lstStyle/>
+          <a:p>
+            <a:fld id="{97CC2521-3C23-4974-B647-735AEAF387E4}" type="slidenum">
+              <a:rPr lang="ru-RU" sz="2400" smtClean="0">
+                <a:solidFill>
+                  <a:schemeClr val="tx1"/>
+                </a:solidFill>
+              </a:rPr>
+              <a:t>16</a:t>
+            </a:fld>
+            <a:endParaRPr lang="ru-RU" sz="2400" dirty="0">
+              <a:solidFill>
+                <a:schemeClr val="tx1"/>
+              </a:solidFill>
+            </a:endParaRPr>
+          </a:p>
+        </p:txBody>
+      </p:sp>
+    </p:spTree>
+    <p:extLst>
+      <p:ext uri="{BB962C8B-B14F-4D97-AF65-F5344CB8AC3E}">
+        <p14:creationId xmlns:p14="http://schemas.microsoft.com/office/powerpoint/2010/main" val="3584993668"/>
+      </p:ext>
+    </p:extLst>
+  </p:cSld>
+  <p:clrMapOvr>
+    <a:masterClrMapping/>
+  </p:clrMapOvr>
+  <p:timing>
+    <p:tnLst>
+      <p:par>
+        <p:cTn id="1" dur="indefinite" restart="never" nodeType="tmRoot"/>
+      </p:par>
+    </p:tnLst>
+  </p:timing>
+</p:sld>
+</file>
+
+<file path=ppt/slides/slide17.xml><?xml version="1.0" encoding="utf-8"?>
+<p:sld xmlns:a="http://schemas.openxmlformats.org/drawingml/2006/main" xmlns:r="http://schemas.openxmlformats.org/officeDocument/2006/relationships" xmlns:p="http://schemas.openxmlformats.org/presentationml/2006/main">
+  <p:cSld>
+    <p:spTree>
+      <p:nvGrpSpPr>
+        <p:cNvPr id="1" name=""/>
+        <p:cNvGrpSpPr/>
+        <p:nvPr/>
+      </p:nvGrpSpPr>
+      <p:grpSpPr>
+        <a:xfrm>
+          <a:off x="0" y="0"/>
+          <a:ext cx="0" cy="0"/>
+          <a:chOff x="0" y="0"/>
+          <a:chExt cx="0" cy="0"/>
+        </a:xfrm>
+      </p:grpSpPr>
+      <p:sp>
+        <p:nvSpPr>
+          <p:cNvPr id="3" name="Объект 2"/>
+          <p:cNvSpPr>
+            <a:spLocks noGrp="1"/>
+          </p:cNvSpPr>
+          <p:nvPr>
+            <p:ph idx="1"/>
+          </p:nvPr>
+        </p:nvSpPr>
+        <p:spPr>
+          <a:xfrm>
             <a:off x="819002" y="2009105"/>
             <a:ext cx="8596668" cy="1803042"/>
           </a:xfrm>
@@ -7882,7 +8619,7 @@
                   <a:schemeClr val="tx1"/>
                 </a:solidFill>
               </a:rPr>
-              <a:t>16</a:t>
+              <a:t>17</a:t>
             </a:fld>
             <a:endParaRPr lang="ru-RU" sz="2400" dirty="0">
               <a:solidFill>
@@ -8942,77 +9679,214 @@
       </p:grpSpPr>
       <p:sp>
         <p:nvSpPr>
-          <p:cNvPr id="3" name="Объект 2"/>
-          <p:cNvSpPr>
-            <a:spLocks noGrp="1"/>
-          </p:cNvSpPr>
-          <p:nvPr>
-            <p:ph idx="1"/>
+          <p:cNvPr id="2" name="Заголовок 1"/>
+          <p:cNvSpPr>
+            <a:spLocks noGrp="1"/>
+          </p:cNvSpPr>
+          <p:nvPr>
+            <p:ph type="title"/>
           </p:nvPr>
         </p:nvSpPr>
         <p:spPr>
           <a:xfrm>
-            <a:off x="677334" y="489397"/>
-            <a:ext cx="8596668" cy="5551965"/>
+            <a:off x="677334" y="133082"/>
+            <a:ext cx="8596668" cy="858591"/>
           </a:xfrm>
         </p:spPr>
         <p:txBody>
-          <a:bodyPr>
-            <a:normAutofit/>
-          </a:bodyPr>
-          <a:lstStyle/>
-          <a:p>
-            <a:pPr marL="0" indent="0">
-              <a:buNone/>
-            </a:pPr>
-            <a:r>
-              <a:rPr lang="uk-UA" sz="3200" dirty="0" smtClean="0">
-                <a:solidFill>
-                  <a:schemeClr val="tx1"/>
+          <a:bodyPr/>
+          <a:lstStyle/>
+          <a:p>
+            <a:pPr algn="ctr"/>
+            <a:r>
+              <a:rPr lang="uk-UA" b="1" dirty="0" err="1">
+                <a:solidFill>
+                  <a:schemeClr val="accent1">
+                    <a:lumMod val="50000"/>
+                  </a:schemeClr>
                 </a:solidFill>
               </a:rPr>
-              <a:t>Блок схема гри:</a:t>
-            </a:r>
-          </a:p>
-          <a:p>
-            <a:pPr marL="0" indent="0">
-              <a:buNone/>
-            </a:pPr>
-            <a:endParaRPr lang="ru-RU" sz="3200" dirty="0">
+              <a:t>use</a:t>
+            </a:r>
+            <a:r>
+              <a:rPr lang="uk-UA" b="1" dirty="0">
+                <a:solidFill>
+                  <a:schemeClr val="accent1">
+                    <a:lumMod val="50000"/>
+                  </a:schemeClr>
+                </a:solidFill>
+              </a:rPr>
+              <a:t> </a:t>
+            </a:r>
+            <a:r>
+              <a:rPr lang="uk-UA" b="1" dirty="0" err="1">
+                <a:solidFill>
+                  <a:schemeClr val="accent1">
+                    <a:lumMod val="50000"/>
+                  </a:schemeClr>
+                </a:solidFill>
+              </a:rPr>
+              <a:t>case</a:t>
+            </a:r>
+            <a:endParaRPr lang="ru-RU" dirty="0">
               <a:solidFill>
-                <a:schemeClr val="tx1"/>
+                <a:schemeClr val="accent1">
+                  <a:lumMod val="50000"/>
+                </a:schemeClr>
               </a:solidFill>
             </a:endParaRPr>
           </a:p>
         </p:txBody>
       </p:sp>
-      <p:pic>
-        <p:nvPicPr>
-          <p:cNvPr id="4" name="Рисунок 3"/>
-          <p:cNvPicPr>
-            <a:picLocks noChangeAspect="1"/>
-          </p:cNvPicPr>
-          <p:nvPr/>
-        </p:nvPicPr>
-        <p:blipFill>
-          <a:blip r:embed="rId2"/>
-          <a:stretch>
-            <a:fillRect/>
-          </a:stretch>
-        </p:blipFill>
+      <p:sp>
+        <p:nvSpPr>
+          <p:cNvPr id="3" name="Объект 2"/>
+          <p:cNvSpPr>
+            <a:spLocks noGrp="1"/>
+          </p:cNvSpPr>
+          <p:nvPr>
+            <p:ph idx="1"/>
+          </p:nvPr>
+        </p:nvSpPr>
         <p:spPr>
           <a:xfrm>
-            <a:off x="4975668" y="169808"/>
-            <a:ext cx="1924713" cy="6511958"/>
+            <a:off x="677334" y="1107583"/>
+            <a:ext cx="8596668" cy="4933779"/>
           </a:xfrm>
-          <a:prstGeom prst="rect">
-            <a:avLst/>
-          </a:prstGeom>
         </p:spPr>
-      </p:pic>
-      <p:sp>
-        <p:nvSpPr>
-          <p:cNvPr id="2" name="Номер слайда 1"/>
+        <p:txBody>
+          <a:bodyPr/>
+          <a:lstStyle/>
+          <a:p>
+            <a:pPr marL="0" indent="0">
+              <a:buNone/>
+            </a:pPr>
+            <a:r>
+              <a:rPr lang="uk-UA" dirty="0"/>
+              <a:t>№1 :</a:t>
+            </a:r>
+            <a:endParaRPr lang="ru-RU" dirty="0"/>
+          </a:p>
+          <a:p>
+            <a:pPr marL="0" indent="0">
+              <a:buNone/>
+            </a:pPr>
+            <a:r>
+              <a:rPr lang="uk-UA" dirty="0"/>
+              <a:t>Назва: </a:t>
+            </a:r>
+            <a:r>
+              <a:rPr lang="uk-UA" dirty="0" smtClean="0"/>
+              <a:t>Камінь, </a:t>
+            </a:r>
+            <a:r>
+              <a:rPr lang="uk-UA" dirty="0"/>
+              <a:t>що падає</a:t>
+            </a:r>
+            <a:endParaRPr lang="ru-RU" dirty="0"/>
+          </a:p>
+          <a:p>
+            <a:pPr marL="0" indent="0">
+              <a:buNone/>
+            </a:pPr>
+            <a:r>
+              <a:rPr lang="uk-UA" dirty="0"/>
+              <a:t>Опис: </a:t>
+            </a:r>
+            <a:r>
+              <a:rPr lang="uk-UA" dirty="0" smtClean="0"/>
+              <a:t>Камінь, </a:t>
+            </a:r>
+            <a:r>
+              <a:rPr lang="uk-UA" dirty="0"/>
+              <a:t>що падає з гори екрана </a:t>
+            </a:r>
+            <a:endParaRPr lang="ru-RU" dirty="0"/>
+          </a:p>
+          <a:p>
+            <a:pPr marL="0" indent="0">
+              <a:buNone/>
+            </a:pPr>
+            <a:r>
+              <a:rPr lang="uk-UA" dirty="0"/>
+              <a:t>Передумова: гра триває </a:t>
+            </a:r>
+            <a:endParaRPr lang="ru-RU" dirty="0"/>
+          </a:p>
+          <a:p>
+            <a:pPr marL="0" indent="0">
+              <a:buNone/>
+            </a:pPr>
+            <a:r>
+              <a:rPr lang="uk-UA" dirty="0"/>
+              <a:t>Тригер :  Користувач набрав достатню кількість очок </a:t>
+            </a:r>
+            <a:endParaRPr lang="ru-RU" dirty="0"/>
+          </a:p>
+          <a:p>
+            <a:pPr marL="0" indent="0">
+              <a:buNone/>
+            </a:pPr>
+            <a:r>
+              <a:rPr lang="uk-UA" dirty="0"/>
+              <a:t>Основний сценарій : Камінь падає з гори екрана, користувач ухиляється від нього </a:t>
+            </a:r>
+            <a:endParaRPr lang="ru-RU" dirty="0"/>
+          </a:p>
+          <a:p>
+            <a:pPr marL="0" indent="0">
+              <a:buNone/>
+            </a:pPr>
+            <a:r>
+              <a:rPr lang="uk-UA" dirty="0"/>
+              <a:t>Результат: Користувач залишається при своїх </a:t>
+            </a:r>
+            <a:r>
+              <a:rPr lang="uk-UA" dirty="0" smtClean="0"/>
+              <a:t>балах, </a:t>
+            </a:r>
+            <a:r>
+              <a:rPr lang="uk-UA" dirty="0"/>
+              <a:t>гра продовжується.</a:t>
+            </a:r>
+            <a:endParaRPr lang="ru-RU" dirty="0"/>
+          </a:p>
+          <a:p>
+            <a:pPr marL="0" indent="0">
+              <a:buNone/>
+            </a:pPr>
+            <a:r>
+              <a:rPr lang="uk-UA" dirty="0"/>
+              <a:t>Додатковий  сценарій : Камінь падає з гори екрана, користувач  не ухиляється від нього </a:t>
+            </a:r>
+            <a:endParaRPr lang="ru-RU" dirty="0"/>
+          </a:p>
+          <a:p>
+            <a:pPr marL="0" indent="0">
+              <a:buNone/>
+            </a:pPr>
+            <a:r>
+              <a:rPr lang="uk-UA" dirty="0"/>
+              <a:t>Додатковий результат: Користувач втрачає 15 балів , якщо у користувача було менше 15 </a:t>
+            </a:r>
+            <a:r>
+              <a:rPr lang="uk-UA" dirty="0" smtClean="0"/>
+              <a:t>балів, </a:t>
+            </a:r>
+            <a:r>
+              <a:rPr lang="uk-UA" dirty="0"/>
+              <a:t>гра завершується    </a:t>
+            </a:r>
+            <a:endParaRPr lang="ru-RU" dirty="0"/>
+          </a:p>
+          <a:p>
+            <a:endParaRPr lang="ru-RU" dirty="0"/>
+          </a:p>
+        </p:txBody>
+      </p:sp>
+      <p:sp>
+        <p:nvSpPr>
+          <p:cNvPr id="4" name="Номер слайда 3"/>
           <p:cNvSpPr>
             <a:spLocks noGrp="1"/>
           </p:cNvSpPr>
@@ -9044,7 +9918,7 @@
     </p:spTree>
     <p:extLst>
       <p:ext uri="{BB962C8B-B14F-4D97-AF65-F5344CB8AC3E}">
-        <p14:creationId xmlns:p14="http://schemas.microsoft.com/office/powerpoint/2010/main" val="198808337"/>
+        <p14:creationId xmlns:p14="http://schemas.microsoft.com/office/powerpoint/2010/main" val="2135142101"/>
       </p:ext>
     </p:extLst>
   </p:cSld>
@@ -9080,29 +9954,6 @@
       </p:grpSpPr>
       <p:sp>
         <p:nvSpPr>
-          <p:cNvPr id="2" name="Заголовок 1"/>
-          <p:cNvSpPr>
-            <a:spLocks noGrp="1"/>
-          </p:cNvSpPr>
-          <p:nvPr>
-            <p:ph type="title"/>
-          </p:nvPr>
-        </p:nvSpPr>
-        <p:spPr/>
-        <p:txBody>
-          <a:bodyPr/>
-          <a:lstStyle/>
-          <a:p>
-            <a:r>
-              <a:rPr lang="uk-UA" dirty="0" smtClean="0"/>
-              <a:t>Умови гри</a:t>
-            </a:r>
-            <a:endParaRPr lang="ru-RU" dirty="0"/>
-          </a:p>
-        </p:txBody>
-      </p:sp>
-      <p:sp>
-        <p:nvSpPr>
           <p:cNvPr id="3" name="Объект 2"/>
           <p:cNvSpPr>
             <a:spLocks noGrp="1"/>
@@ -9113,51 +9964,132 @@
         </p:nvSpPr>
         <p:spPr>
           <a:xfrm>
-            <a:off x="677334" y="1671192"/>
-            <a:ext cx="8596668" cy="3880773"/>
+            <a:off x="677334" y="489397"/>
+            <a:ext cx="8596668" cy="5551965"/>
           </a:xfrm>
         </p:spPr>
         <p:txBody>
           <a:bodyPr/>
           <a:lstStyle/>
           <a:p>
+            <a:pPr marL="0" indent="0">
+              <a:buNone/>
+            </a:pPr>
+            <a:r>
+              <a:rPr lang="uk-UA" dirty="0"/>
+              <a:t>№2 :</a:t>
+            </a:r>
+            <a:endParaRPr lang="ru-RU" dirty="0"/>
+          </a:p>
+          <a:p>
+            <a:pPr marL="0" indent="0">
+              <a:buNone/>
+            </a:pPr>
+            <a:r>
+              <a:rPr lang="uk-UA" dirty="0"/>
+              <a:t>Назва: </a:t>
+            </a:r>
             <a:r>
               <a:rPr lang="uk-UA" dirty="0" smtClean="0"/>
-              <a:t>Користувач повинен спіймати усіх людей, інакше він програє </a:t>
-            </a:r>
-          </a:p>
-          <a:p>
+              <a:t>Людина, </a:t>
+            </a:r>
+            <a:r>
+              <a:rPr lang="uk-UA" dirty="0"/>
+              <a:t>що падає</a:t>
+            </a:r>
+            <a:endParaRPr lang="ru-RU" dirty="0"/>
+          </a:p>
+          <a:p>
+            <a:pPr marL="0" indent="0">
+              <a:buNone/>
+            </a:pPr>
+            <a:r>
+              <a:rPr lang="uk-UA" dirty="0"/>
+              <a:t>Опис: </a:t>
+            </a:r>
             <a:r>
               <a:rPr lang="uk-UA" dirty="0" smtClean="0"/>
-              <a:t>За врятування людей користувач отримує бали</a:t>
-            </a:r>
-          </a:p>
-          <a:p>
+              <a:t>Людина, </a:t>
+            </a:r>
+            <a:r>
+              <a:rPr lang="uk-UA" dirty="0"/>
+              <a:t>що падає з гори екрана </a:t>
+            </a:r>
+            <a:endParaRPr lang="ru-RU" dirty="0"/>
+          </a:p>
+          <a:p>
+            <a:pPr marL="0" indent="0">
+              <a:buNone/>
+            </a:pPr>
+            <a:r>
+              <a:rPr lang="uk-UA" dirty="0"/>
+              <a:t>Передумова: гра почалась </a:t>
+            </a:r>
+            <a:endParaRPr lang="ru-RU" dirty="0"/>
+          </a:p>
+          <a:p>
+            <a:pPr marL="0" indent="0">
+              <a:buNone/>
+            </a:pPr>
+            <a:r>
+              <a:rPr lang="uk-UA" dirty="0"/>
+              <a:t>Тригер : гра почалась</a:t>
+            </a:r>
+            <a:endParaRPr lang="ru-RU" dirty="0"/>
+          </a:p>
+          <a:p>
+            <a:pPr marL="0" indent="0">
+              <a:buNone/>
+            </a:pPr>
+            <a:r>
+              <a:rPr lang="uk-UA" dirty="0"/>
+              <a:t>Основний сценарій : Людина падає з гори екрана, користувач її ловить </a:t>
+            </a:r>
+            <a:endParaRPr lang="ru-RU" dirty="0"/>
+          </a:p>
+          <a:p>
+            <a:pPr marL="0" indent="0">
+              <a:buNone/>
+            </a:pPr>
+            <a:r>
+              <a:rPr lang="uk-UA" dirty="0"/>
+              <a:t>Результат: Користувач отримує один  </a:t>
+            </a:r>
             <a:r>
               <a:rPr lang="uk-UA" dirty="0" smtClean="0"/>
-              <a:t>Бали можуть бути втрачені, якщо користувач зловить камінь </a:t>
-            </a:r>
-          </a:p>
-          <a:p>
-            <a:r>
-              <a:rPr lang="uk-UA" dirty="0" smtClean="0"/>
-              <a:t>Якщо кількість балів менше за 0, то </a:t>
+              <a:t>бал, </a:t>
             </a:r>
             <a:r>
               <a:rPr lang="uk-UA" dirty="0"/>
-              <a:t>він програє </a:t>
-            </a:r>
-            <a:r>
-              <a:rPr lang="uk-UA" dirty="0" smtClean="0"/>
-              <a:t> </a:t>
+              <a:t>гра продовжується.</a:t>
             </a:r>
             <a:endParaRPr lang="ru-RU" dirty="0"/>
           </a:p>
-        </p:txBody>
-      </p:sp>
-      <p:sp>
-        <p:nvSpPr>
-          <p:cNvPr id="4" name="Номер слайда 3"/>
+          <a:p>
+            <a:pPr marL="0" indent="0">
+              <a:buNone/>
+            </a:pPr>
+            <a:r>
+              <a:rPr lang="uk-UA" dirty="0"/>
+              <a:t>Додатковий  сценарій : Людина падає з гори екрана, користувач  не ловить її</a:t>
+            </a:r>
+            <a:endParaRPr lang="ru-RU" dirty="0"/>
+          </a:p>
+          <a:p>
+            <a:pPr marL="0" indent="0">
+              <a:buNone/>
+            </a:pPr>
+            <a:r>
+              <a:rPr lang="uk-UA" dirty="0"/>
+              <a:t>Додатковий результат: гра завершується</a:t>
+            </a:r>
+            <a:endParaRPr lang="ru-RU" dirty="0"/>
+          </a:p>
+        </p:txBody>
+      </p:sp>
+      <p:sp>
+        <p:nvSpPr>
+          <p:cNvPr id="2" name="Номер слайда 1"/>
           <p:cNvSpPr>
             <a:spLocks noGrp="1"/>
           </p:cNvSpPr>
@@ -9189,7 +10121,7 @@
     </p:spTree>
     <p:extLst>
       <p:ext uri="{BB962C8B-B14F-4D97-AF65-F5344CB8AC3E}">
-        <p14:creationId xmlns:p14="http://schemas.microsoft.com/office/powerpoint/2010/main" val="3766738623"/>
+        <p14:creationId xmlns:p14="http://schemas.microsoft.com/office/powerpoint/2010/main" val="405496816"/>
       </p:ext>
     </p:extLst>
   </p:cSld>
@@ -9225,91 +10157,30 @@
       </p:grpSpPr>
       <p:sp>
         <p:nvSpPr>
-          <p:cNvPr id="2" name="Заголовок 1"/>
-          <p:cNvSpPr>
-            <a:spLocks noGrp="1"/>
-          </p:cNvSpPr>
-          <p:nvPr>
-            <p:ph type="title"/>
+          <p:cNvPr id="3" name="Объект 2"/>
+          <p:cNvSpPr>
+            <a:spLocks noGrp="1"/>
+          </p:cNvSpPr>
+          <p:nvPr>
+            <p:ph idx="1"/>
           </p:nvPr>
         </p:nvSpPr>
         <p:spPr>
           <a:xfrm>
-            <a:off x="677334" y="133082"/>
-            <a:ext cx="8596668" cy="858591"/>
+            <a:off x="677334" y="605307"/>
+            <a:ext cx="8596668" cy="5436056"/>
           </a:xfrm>
         </p:spPr>
         <p:txBody>
           <a:bodyPr/>
           <a:lstStyle/>
           <a:p>
-            <a:pPr algn="ctr"/>
-            <a:r>
-              <a:rPr lang="uk-UA" b="1" dirty="0" err="1">
-                <a:solidFill>
-                  <a:schemeClr val="accent1">
-                    <a:lumMod val="50000"/>
-                  </a:schemeClr>
-                </a:solidFill>
-              </a:rPr>
-              <a:t>use</a:t>
-            </a:r>
-            <a:r>
-              <a:rPr lang="uk-UA" b="1" dirty="0">
-                <a:solidFill>
-                  <a:schemeClr val="accent1">
-                    <a:lumMod val="50000"/>
-                  </a:schemeClr>
-                </a:solidFill>
-              </a:rPr>
-              <a:t> </a:t>
-            </a:r>
-            <a:r>
-              <a:rPr lang="uk-UA" b="1" dirty="0" err="1">
-                <a:solidFill>
-                  <a:schemeClr val="accent1">
-                    <a:lumMod val="50000"/>
-                  </a:schemeClr>
-                </a:solidFill>
-              </a:rPr>
-              <a:t>case</a:t>
-            </a:r>
-            <a:endParaRPr lang="ru-RU" dirty="0">
-              <a:solidFill>
-                <a:schemeClr val="accent1">
-                  <a:lumMod val="50000"/>
-                </a:schemeClr>
-              </a:solidFill>
-            </a:endParaRPr>
-          </a:p>
-        </p:txBody>
-      </p:sp>
-      <p:sp>
-        <p:nvSpPr>
-          <p:cNvPr id="3" name="Объект 2"/>
-          <p:cNvSpPr>
-            <a:spLocks noGrp="1"/>
-          </p:cNvSpPr>
-          <p:nvPr>
-            <p:ph idx="1"/>
-          </p:nvPr>
-        </p:nvSpPr>
-        <p:spPr>
-          <a:xfrm>
-            <a:off x="677334" y="1107583"/>
-            <a:ext cx="8596668" cy="4933779"/>
-          </a:xfrm>
-        </p:spPr>
-        <p:txBody>
-          <a:bodyPr/>
-          <a:lstStyle/>
-          <a:p>
             <a:pPr marL="0" indent="0">
               <a:buNone/>
             </a:pPr>
             <a:r>
               <a:rPr lang="uk-UA" dirty="0"/>
-              <a:t>№1 :</a:t>
+              <a:t>№3 :</a:t>
             </a:r>
             <a:endParaRPr lang="ru-RU" dirty="0"/>
           </a:p>
@@ -9323,11 +10194,11 @@
             </a:r>
             <a:r>
               <a:rPr lang="uk-UA" dirty="0" smtClean="0"/>
-              <a:t>Камінь, </a:t>
+              <a:t>Батут,  </a:t>
             </a:r>
             <a:r>
               <a:rPr lang="uk-UA" dirty="0"/>
-              <a:t>що падає</a:t>
+              <a:t>що рухається </a:t>
             </a:r>
             <a:endParaRPr lang="ru-RU" dirty="0"/>
           </a:p>
@@ -9341,11 +10212,11 @@
             </a:r>
             <a:r>
               <a:rPr lang="uk-UA" dirty="0" smtClean="0"/>
-              <a:t>Камінь, </a:t>
+              <a:t>Батут,  </a:t>
             </a:r>
             <a:r>
               <a:rPr lang="uk-UA" dirty="0"/>
-              <a:t>що падає з гори екрана </a:t>
+              <a:t>що рухається вздовж екрану </a:t>
             </a:r>
             <a:endParaRPr lang="ru-RU" dirty="0"/>
           </a:p>
@@ -9355,7 +10226,7 @@
             </a:pPr>
             <a:r>
               <a:rPr lang="uk-UA" dirty="0"/>
-              <a:t>Передумова: гра триває </a:t>
+              <a:t>Передумова: Гра почалась </a:t>
             </a:r>
             <a:endParaRPr lang="ru-RU" dirty="0"/>
           </a:p>
@@ -9365,7 +10236,7 @@
             </a:pPr>
             <a:r>
               <a:rPr lang="uk-UA" dirty="0"/>
-              <a:t>Тригер :  Користувач набрав достатню кількість очок </a:t>
+              <a:t>Тригер : Гра почалась</a:t>
             </a:r>
             <a:endParaRPr lang="ru-RU" dirty="0"/>
           </a:p>
@@ -9375,7 +10246,15 @@
             </a:pPr>
             <a:r>
               <a:rPr lang="uk-UA" dirty="0"/>
-              <a:t>Основний сценарій : Камінь падає з гори екрана, користувач ухиляється від нього </a:t>
+              <a:t>Основний сценарій : Гравець тисне на </a:t>
+            </a:r>
+            <a:r>
+              <a:rPr lang="uk-UA" dirty="0" smtClean="0"/>
+              <a:t>клавіши(стрілка ліво, стрілка право), </a:t>
+            </a:r>
+            <a:r>
+              <a:rPr lang="uk-UA" dirty="0"/>
+              <a:t>батут рухається </a:t>
             </a:r>
             <a:endParaRPr lang="ru-RU" dirty="0"/>
           </a:p>
@@ -9385,15 +10264,17 @@
             </a:pPr>
             <a:r>
               <a:rPr lang="uk-UA" dirty="0"/>
-              <a:t>Результат: Користувач залишається при своїх </a:t>
-            </a:r>
-            <a:r>
-              <a:rPr lang="uk-UA" dirty="0" smtClean="0"/>
-              <a:t>балах, </a:t>
-            </a:r>
+              <a:t>Результат: Користувач отримує можливість ловити об’єкти .</a:t>
+            </a:r>
+            <a:endParaRPr lang="ru-RU" dirty="0"/>
+          </a:p>
+          <a:p>
+            <a:pPr marL="0" indent="0">
+              <a:buNone/>
+            </a:pPr>
             <a:r>
               <a:rPr lang="uk-UA" dirty="0"/>
-              <a:t>гра продовжується.</a:t>
+              <a:t>Додатковий  сценарій : Гравець не тисне на клавіши</a:t>
             </a:r>
             <a:endParaRPr lang="ru-RU" dirty="0"/>
           </a:p>
@@ -9403,7 +10284,7 @@
             </a:pPr>
             <a:r>
               <a:rPr lang="uk-UA" dirty="0"/>
-              <a:t>Додатковий  сценарій : Камінь падає з гори екрана, користувач  не ухиляється від нього </a:t>
+              <a:t>Додатковий результат: Батут не рухається</a:t>
             </a:r>
             <a:endParaRPr lang="ru-RU" dirty="0"/>
           </a:p>
@@ -9411,28 +10292,13 @@
             <a:pPr marL="0" indent="0">
               <a:buNone/>
             </a:pPr>
-            <a:r>
-              <a:rPr lang="uk-UA" dirty="0"/>
-              <a:t>Додатковий результат: Користувач втрачає 15 балів , якщо у користувача було менше 15 </a:t>
-            </a:r>
-            <a:r>
-              <a:rPr lang="uk-UA" dirty="0" smtClean="0"/>
-              <a:t>балів, </a:t>
-            </a:r>
-            <a:r>
-              <a:rPr lang="uk-UA" dirty="0"/>
-              <a:t>гра завершується    </a:t>
-            </a:r>
             <a:endParaRPr lang="ru-RU" dirty="0"/>
           </a:p>
-          <a:p>
-            <a:endParaRPr lang="ru-RU" dirty="0"/>
-          </a:p>
-        </p:txBody>
-      </p:sp>
-      <p:sp>
-        <p:nvSpPr>
-          <p:cNvPr id="4" name="Номер слайда 3"/>
+        </p:txBody>
+      </p:sp>
+      <p:sp>
+        <p:nvSpPr>
+          <p:cNvPr id="2" name="Номер слайда 1"/>
           <p:cNvSpPr>
             <a:spLocks noGrp="1"/>
           </p:cNvSpPr>
@@ -9464,7 +10330,7 @@
     </p:spTree>
     <p:extLst>
       <p:ext uri="{BB962C8B-B14F-4D97-AF65-F5344CB8AC3E}">
-        <p14:creationId xmlns:p14="http://schemas.microsoft.com/office/powerpoint/2010/main" val="2135142101"/>
+        <p14:creationId xmlns:p14="http://schemas.microsoft.com/office/powerpoint/2010/main" val="2345079716"/>
       </p:ext>
     </p:extLst>
   </p:cSld>
@@ -9510,8 +10376,8 @@
         </p:nvSpPr>
         <p:spPr>
           <a:xfrm>
-            <a:off x="677334" y="489397"/>
-            <a:ext cx="8596668" cy="5551965"/>
+            <a:off x="677334" y="618187"/>
+            <a:ext cx="8596668" cy="5423176"/>
           </a:xfrm>
         </p:spPr>
         <p:txBody>
@@ -9523,7 +10389,7 @@
             </a:pPr>
             <a:r>
               <a:rPr lang="uk-UA" dirty="0"/>
-              <a:t>№2 :</a:t>
+              <a:t>№4 :</a:t>
             </a:r>
             <a:endParaRPr lang="ru-RU" dirty="0"/>
           </a:p>
@@ -9533,15 +10399,11 @@
             </a:pPr>
             <a:r>
               <a:rPr lang="uk-UA" dirty="0"/>
-              <a:t>Назва: </a:t>
+              <a:t>Назва: Меню </a:t>
             </a:r>
             <a:r>
               <a:rPr lang="uk-UA" dirty="0" smtClean="0"/>
-              <a:t>Людина, </a:t>
-            </a:r>
-            <a:r>
-              <a:rPr lang="uk-UA" dirty="0"/>
-              <a:t>що падає</a:t>
+              <a:t>запуску </a:t>
             </a:r>
             <a:endParaRPr lang="ru-RU" dirty="0"/>
           </a:p>
@@ -9555,11 +10417,11 @@
             </a:r>
             <a:r>
               <a:rPr lang="uk-UA" dirty="0" smtClean="0"/>
-              <a:t>Людина, </a:t>
+              <a:t>Меню, в </a:t>
             </a:r>
             <a:r>
               <a:rPr lang="uk-UA" dirty="0"/>
-              <a:t>що падає з гори екрана </a:t>
+              <a:t>якому користувач обирає складність та починає гру  </a:t>
             </a:r>
             <a:endParaRPr lang="ru-RU" dirty="0"/>
           </a:p>
@@ -9568,8 +10430,22 @@
               <a:buNone/>
             </a:pPr>
             <a:r>
+              <a:rPr lang="uk-UA" dirty="0" smtClean="0"/>
+              <a:t>Передумова: Гра була запущена </a:t>
+            </a:r>
+            <a:endParaRPr lang="ru-RU" dirty="0"/>
+          </a:p>
+          <a:p>
+            <a:pPr marL="0" indent="0">
+              <a:buNone/>
+            </a:pPr>
+            <a:r>
+              <a:rPr lang="uk-UA" dirty="0" smtClean="0"/>
+              <a:t>Основний </a:t>
+            </a:r>
+            <a:r>
               <a:rPr lang="uk-UA" dirty="0"/>
-              <a:t>Передумова: гра почалась </a:t>
+              <a:t>сценарій : Гравець обирає складність та запускає гру </a:t>
             </a:r>
             <a:endParaRPr lang="ru-RU" dirty="0"/>
           </a:p>
@@ -9579,7 +10455,7 @@
             </a:pPr>
             <a:r>
               <a:rPr lang="uk-UA" dirty="0"/>
-              <a:t>Тригер : гра почалась</a:t>
+              <a:t>Результат: Запускається гра з обраним рівнем складності </a:t>
             </a:r>
             <a:endParaRPr lang="ru-RU" dirty="0"/>
           </a:p>
@@ -9589,7 +10465,7 @@
             </a:pPr>
             <a:r>
               <a:rPr lang="uk-UA" dirty="0"/>
-              <a:t>Основний сценарій : Людина падає з гори екрана, користувач її ловить </a:t>
+              <a:t>Додатковий  сценарій : Гравець вимикає меню </a:t>
             </a:r>
             <a:endParaRPr lang="ru-RU" dirty="0"/>
           </a:p>
@@ -9599,15 +10475,11 @@
             </a:pPr>
             <a:r>
               <a:rPr lang="uk-UA" dirty="0"/>
-              <a:t>Результат: Користувач отримує один  </a:t>
+              <a:t>Додатковий результат: </a:t>
             </a:r>
             <a:r>
               <a:rPr lang="uk-UA" dirty="0" smtClean="0"/>
-              <a:t>бал, </a:t>
-            </a:r>
-            <a:r>
-              <a:rPr lang="uk-UA" dirty="0"/>
-              <a:t>гра продовжується.</a:t>
+              <a:t>Гра закривається </a:t>
             </a:r>
             <a:endParaRPr lang="ru-RU" dirty="0"/>
           </a:p>
@@ -9615,20 +10487,6 @@
             <a:pPr marL="0" indent="0">
               <a:buNone/>
             </a:pPr>
-            <a:r>
-              <a:rPr lang="uk-UA" dirty="0"/>
-              <a:t>Додатковий  сценарій : Людина падає з гори екрана, користувач  не ловить її</a:t>
-            </a:r>
-            <a:endParaRPr lang="ru-RU" dirty="0"/>
-          </a:p>
-          <a:p>
-            <a:pPr marL="0" indent="0">
-              <a:buNone/>
-            </a:pPr>
-            <a:r>
-              <a:rPr lang="uk-UA" dirty="0"/>
-              <a:t>Додатковий результат: гра завершується</a:t>
-            </a:r>
             <a:endParaRPr lang="ru-RU" dirty="0"/>
           </a:p>
         </p:txBody>
@@ -9667,7 +10525,7 @@
     </p:spTree>
     <p:extLst>
       <p:ext uri="{BB962C8B-B14F-4D97-AF65-F5344CB8AC3E}">
-        <p14:creationId xmlns:p14="http://schemas.microsoft.com/office/powerpoint/2010/main" val="405496816"/>
+        <p14:creationId xmlns:p14="http://schemas.microsoft.com/office/powerpoint/2010/main" val="2162147648"/>
       </p:ext>
     </p:extLst>
   </p:cSld>
